--- a/scenario3/recording/T101389-Scenario3-v20210921.pptx
+++ b/scenario3/recording/T101389-Scenario3-v20210921.pptx
@@ -8,32 +8,30 @@
     <p:sldId id="256" r:id="rId2"/>
     <p:sldId id="301" r:id="rId3"/>
     <p:sldId id="260" r:id="rId4"/>
-    <p:sldId id="286" r:id="rId5"/>
-    <p:sldId id="287" r:id="rId6"/>
-    <p:sldId id="289" r:id="rId7"/>
-    <p:sldId id="290" r:id="rId8"/>
-    <p:sldId id="288" r:id="rId9"/>
-    <p:sldId id="292" r:id="rId10"/>
-    <p:sldId id="293" r:id="rId11"/>
-    <p:sldId id="274" r:id="rId12"/>
-    <p:sldId id="291" r:id="rId13"/>
-    <p:sldId id="294" r:id="rId14"/>
-    <p:sldId id="302" r:id="rId15"/>
-    <p:sldId id="295" r:id="rId16"/>
-    <p:sldId id="296" r:id="rId17"/>
-    <p:sldId id="297" r:id="rId18"/>
-    <p:sldId id="275" r:id="rId19"/>
-    <p:sldId id="298" r:id="rId20"/>
-    <p:sldId id="300" r:id="rId21"/>
-    <p:sldId id="299" r:id="rId22"/>
-    <p:sldId id="276" r:id="rId23"/>
-    <p:sldId id="277" r:id="rId24"/>
-    <p:sldId id="278" r:id="rId25"/>
-    <p:sldId id="279" r:id="rId26"/>
-    <p:sldId id="280" r:id="rId27"/>
-    <p:sldId id="281" r:id="rId28"/>
-    <p:sldId id="282" r:id="rId29"/>
-    <p:sldId id="283" r:id="rId30"/>
+    <p:sldId id="289" r:id="rId5"/>
+    <p:sldId id="290" r:id="rId6"/>
+    <p:sldId id="288" r:id="rId7"/>
+    <p:sldId id="292" r:id="rId8"/>
+    <p:sldId id="293" r:id="rId9"/>
+    <p:sldId id="303" r:id="rId10"/>
+    <p:sldId id="304" r:id="rId11"/>
+    <p:sldId id="294" r:id="rId12"/>
+    <p:sldId id="302" r:id="rId13"/>
+    <p:sldId id="295" r:id="rId14"/>
+    <p:sldId id="296" r:id="rId15"/>
+    <p:sldId id="297" r:id="rId16"/>
+    <p:sldId id="275" r:id="rId17"/>
+    <p:sldId id="298" r:id="rId18"/>
+    <p:sldId id="300" r:id="rId19"/>
+    <p:sldId id="299" r:id="rId20"/>
+    <p:sldId id="276" r:id="rId21"/>
+    <p:sldId id="277" r:id="rId22"/>
+    <p:sldId id="278" r:id="rId23"/>
+    <p:sldId id="279" r:id="rId24"/>
+    <p:sldId id="280" r:id="rId25"/>
+    <p:sldId id="281" r:id="rId26"/>
+    <p:sldId id="282" r:id="rId27"/>
+    <p:sldId id="283" r:id="rId28"/>
   </p:sldIdLst>
   <p:sldSz cx="12192000" cy="6858000"/>
   <p:notesSz cx="6858000" cy="9144000"/>
@@ -287,7 +285,7 @@
           <a:p>
             <a:fld id="{48FC2B21-7E56-4657-8153-3102D269B655}" type="datetimeFigureOut">
               <a:rPr lang="en-US" smtClean="0"/>
-              <a:t>9/22/2021</a:t>
+              <a:t>9/30/2021</a:t>
             </a:fld>
             <a:endParaRPr lang="en-US"/>
           </a:p>
@@ -485,7 +483,7 @@
           <a:p>
             <a:fld id="{48FC2B21-7E56-4657-8153-3102D269B655}" type="datetimeFigureOut">
               <a:rPr lang="en-US" smtClean="0"/>
-              <a:t>9/22/2021</a:t>
+              <a:t>9/30/2021</a:t>
             </a:fld>
             <a:endParaRPr lang="en-US"/>
           </a:p>
@@ -693,7 +691,7 @@
           <a:p>
             <a:fld id="{48FC2B21-7E56-4657-8153-3102D269B655}" type="datetimeFigureOut">
               <a:rPr lang="en-US" smtClean="0"/>
-              <a:t>9/22/2021</a:t>
+              <a:t>9/30/2021</a:t>
             </a:fld>
             <a:endParaRPr lang="en-US"/>
           </a:p>
@@ -891,7 +889,7 @@
           <a:p>
             <a:fld id="{48FC2B21-7E56-4657-8153-3102D269B655}" type="datetimeFigureOut">
               <a:rPr lang="en-US" smtClean="0"/>
-              <a:t>9/22/2021</a:t>
+              <a:t>9/30/2021</a:t>
             </a:fld>
             <a:endParaRPr lang="en-US"/>
           </a:p>
@@ -1166,7 +1164,7 @@
           <a:p>
             <a:fld id="{48FC2B21-7E56-4657-8153-3102D269B655}" type="datetimeFigureOut">
               <a:rPr lang="en-US" smtClean="0"/>
-              <a:t>9/22/2021</a:t>
+              <a:t>9/30/2021</a:t>
             </a:fld>
             <a:endParaRPr lang="en-US"/>
           </a:p>
@@ -1431,7 +1429,7 @@
           <a:p>
             <a:fld id="{48FC2B21-7E56-4657-8153-3102D269B655}" type="datetimeFigureOut">
               <a:rPr lang="en-US" smtClean="0"/>
-              <a:t>9/22/2021</a:t>
+              <a:t>9/30/2021</a:t>
             </a:fld>
             <a:endParaRPr lang="en-US"/>
           </a:p>
@@ -1843,7 +1841,7 @@
           <a:p>
             <a:fld id="{48FC2B21-7E56-4657-8153-3102D269B655}" type="datetimeFigureOut">
               <a:rPr lang="en-US" smtClean="0"/>
-              <a:t>9/22/2021</a:t>
+              <a:t>9/30/2021</a:t>
             </a:fld>
             <a:endParaRPr lang="en-US"/>
           </a:p>
@@ -1984,7 +1982,7 @@
           <a:p>
             <a:fld id="{48FC2B21-7E56-4657-8153-3102D269B655}" type="datetimeFigureOut">
               <a:rPr lang="en-US" smtClean="0"/>
-              <a:t>9/22/2021</a:t>
+              <a:t>9/30/2021</a:t>
             </a:fld>
             <a:endParaRPr lang="en-US"/>
           </a:p>
@@ -2097,7 +2095,7 @@
           <a:p>
             <a:fld id="{48FC2B21-7E56-4657-8153-3102D269B655}" type="datetimeFigureOut">
               <a:rPr lang="en-US" smtClean="0"/>
-              <a:t>9/22/2021</a:t>
+              <a:t>9/30/2021</a:t>
             </a:fld>
             <a:endParaRPr lang="en-US"/>
           </a:p>
@@ -2408,7 +2406,7 @@
           <a:p>
             <a:fld id="{48FC2B21-7E56-4657-8153-3102D269B655}" type="datetimeFigureOut">
               <a:rPr lang="en-US" smtClean="0"/>
-              <a:t>9/22/2021</a:t>
+              <a:t>9/30/2021</a:t>
             </a:fld>
             <a:endParaRPr lang="en-US"/>
           </a:p>
@@ -2696,7 +2694,7 @@
           <a:p>
             <a:fld id="{48FC2B21-7E56-4657-8153-3102D269B655}" type="datetimeFigureOut">
               <a:rPr lang="en-US" smtClean="0"/>
-              <a:t>9/22/2021</a:t>
+              <a:t>9/30/2021</a:t>
             </a:fld>
             <a:endParaRPr lang="en-US"/>
           </a:p>
@@ -2937,7 +2935,7 @@
           <a:p>
             <a:fld id="{48FC2B21-7E56-4657-8153-3102D269B655}" type="datetimeFigureOut">
               <a:rPr lang="en-US" smtClean="0"/>
-              <a:t>9/22/2021</a:t>
+              <a:t>9/30/2021</a:t>
             </a:fld>
             <a:endParaRPr lang="en-US"/>
           </a:p>
@@ -3390,7 +3388,7 @@
                 <a:effectLst/>
                 <a:latin typeface="-apple-system"/>
               </a:rPr>
-              <a:t>Demo: Unified Data Catalog for Aircraft Images</a:t>
+              <a:t>Demo: Unified Data Catalog for Cancer Imaging</a:t>
             </a:r>
             <a:endParaRPr lang="en-US" sz="4000" dirty="0"/>
           </a:p>
@@ -3672,112 +3670,12 @@
           <a:chExt cx="0" cy="0"/>
         </a:xfrm>
       </p:grpSpPr>
-      <p:sp>
-        <p:nvSpPr>
-          <p:cNvPr id="7" name="TextBox 6">
-            <a:extLst>
-              <a:ext uri="{FF2B5EF4-FFF2-40B4-BE49-F238E27FC236}">
-                <a16:creationId xmlns:a16="http://schemas.microsoft.com/office/drawing/2014/main" id="{4B15080C-208A-4EA5-959D-4B354F9F4058}"/>
-              </a:ext>
-            </a:extLst>
-          </p:cNvPr>
-          <p:cNvSpPr txBox="1"/>
-          <p:nvPr/>
-        </p:nvSpPr>
-        <p:spPr>
-          <a:xfrm>
-            <a:off x="0" y="0"/>
-            <a:ext cx="12192000" cy="307777"/>
-          </a:xfrm>
-          <a:prstGeom prst="rect">
-            <a:avLst/>
-          </a:prstGeom>
-          <a:solidFill>
-            <a:schemeClr val="tx1"/>
-          </a:solidFill>
-        </p:spPr>
-        <p:txBody>
-          <a:bodyPr wrap="square">
-            <a:spAutoFit/>
-          </a:bodyPr>
-          <a:lstStyle/>
-          <a:p>
-            <a:r>
-              <a:rPr lang="en-US" sz="1400" b="1" i="0" dirty="0">
-                <a:solidFill>
-                  <a:schemeClr val="bg1"/>
-                </a:solidFill>
-                <a:effectLst/>
-                <a:latin typeface="-apple-system"/>
-              </a:rPr>
-              <a:t>T101389-10002-Annotated – Data Asset View</a:t>
-            </a:r>
-            <a:endParaRPr lang="en-US" sz="1400" dirty="0">
-              <a:solidFill>
-                <a:schemeClr val="bg1"/>
-              </a:solidFill>
-            </a:endParaRPr>
-          </a:p>
-        </p:txBody>
-      </p:sp>
-      <p:sp>
-        <p:nvSpPr>
-          <p:cNvPr id="9" name="Arrow: Right 8">
-            <a:extLst>
-              <a:ext uri="{FF2B5EF4-FFF2-40B4-BE49-F238E27FC236}">
-                <a16:creationId xmlns:a16="http://schemas.microsoft.com/office/drawing/2014/main" id="{AD55E3DE-B140-4E52-B6EA-D7C0007AEF88}"/>
-              </a:ext>
-            </a:extLst>
-          </p:cNvPr>
-          <p:cNvSpPr/>
-          <p:nvPr/>
-        </p:nvSpPr>
-        <p:spPr>
-          <a:xfrm rot="10800000">
-            <a:off x="2998964" y="2226251"/>
-            <a:ext cx="374073" cy="290946"/>
-          </a:xfrm>
-          <a:prstGeom prst="rightArrow">
-            <a:avLst/>
-          </a:prstGeom>
-          <a:solidFill>
-            <a:srgbClr val="FF0000"/>
-          </a:solidFill>
-          <a:ln>
-            <a:noFill/>
-          </a:ln>
-        </p:spPr>
-        <p:style>
-          <a:lnRef idx="2">
-            <a:schemeClr val="accent1">
-              <a:shade val="50000"/>
-            </a:schemeClr>
-          </a:lnRef>
-          <a:fillRef idx="1">
-            <a:schemeClr val="accent1"/>
-          </a:fillRef>
-          <a:effectRef idx="0">
-            <a:schemeClr val="accent1"/>
-          </a:effectRef>
-          <a:fontRef idx="minor">
-            <a:schemeClr val="lt1"/>
-          </a:fontRef>
-        </p:style>
-        <p:txBody>
-          <a:bodyPr rtlCol="0" anchor="ctr"/>
-          <a:lstStyle/>
-          <a:p>
-            <a:pPr algn="ctr"/>
-            <a:endParaRPr lang="en-US"/>
-          </a:p>
-        </p:txBody>
-      </p:sp>
       <p:pic>
         <p:nvPicPr>
-          <p:cNvPr id="4" name="Picture 3">
-            <a:extLst>
-              <a:ext uri="{FF2B5EF4-FFF2-40B4-BE49-F238E27FC236}">
-                <a16:creationId xmlns:a16="http://schemas.microsoft.com/office/drawing/2014/main" id="{0232CD7C-A2AA-498D-BD9A-43BD93ABFC6D}"/>
+          <p:cNvPr id="3" name="Picture 2">
+            <a:extLst>
+              <a:ext uri="{FF2B5EF4-FFF2-40B4-BE49-F238E27FC236}">
+                <a16:creationId xmlns:a16="http://schemas.microsoft.com/office/drawing/2014/main" id="{1516C627-3D31-4464-B394-86DAE944161B}"/>
               </a:ext>
             </a:extLst>
           </p:cNvPr>
@@ -3794,8 +3692,8 @@
         </p:blipFill>
         <p:spPr>
           <a:xfrm>
-            <a:off x="657225" y="549146"/>
-            <a:ext cx="9580144" cy="5759707"/>
+            <a:off x="0" y="638577"/>
+            <a:ext cx="12192000" cy="5580845"/>
           </a:xfrm>
           <a:prstGeom prst="rect">
             <a:avLst/>
@@ -3805,7 +3703,7 @@
     </p:spTree>
     <p:extLst>
       <p:ext uri="{BB962C8B-B14F-4D97-AF65-F5344CB8AC3E}">
-        <p14:creationId xmlns:p14="http://schemas.microsoft.com/office/powerpoint/2010/main" val="359760320"/>
+        <p14:creationId xmlns:p14="http://schemas.microsoft.com/office/powerpoint/2010/main" val="1446541231"/>
       </p:ext>
     </p:extLst>
   </p:cSld>
@@ -3832,60 +3730,12 @@
           <a:chExt cx="0" cy="0"/>
         </a:xfrm>
       </p:grpSpPr>
-      <p:sp>
-        <p:nvSpPr>
-          <p:cNvPr id="7" name="TextBox 6">
-            <a:extLst>
-              <a:ext uri="{FF2B5EF4-FFF2-40B4-BE49-F238E27FC236}">
-                <a16:creationId xmlns:a16="http://schemas.microsoft.com/office/drawing/2014/main" id="{4B15080C-208A-4EA5-959D-4B354F9F4058}"/>
-              </a:ext>
-            </a:extLst>
-          </p:cNvPr>
-          <p:cNvSpPr txBox="1"/>
-          <p:nvPr/>
-        </p:nvSpPr>
-        <p:spPr>
-          <a:xfrm>
-            <a:off x="0" y="0"/>
-            <a:ext cx="12192000" cy="307777"/>
-          </a:xfrm>
-          <a:prstGeom prst="rect">
-            <a:avLst/>
-          </a:prstGeom>
-          <a:solidFill>
-            <a:schemeClr val="tx1"/>
-          </a:solidFill>
-        </p:spPr>
-        <p:txBody>
-          <a:bodyPr wrap="square">
-            <a:spAutoFit/>
-          </a:bodyPr>
-          <a:lstStyle/>
-          <a:p>
-            <a:r>
-              <a:rPr lang="en-US" sz="1400" b="1" i="0" dirty="0">
-                <a:solidFill>
-                  <a:schemeClr val="bg1"/>
-                </a:solidFill>
-                <a:effectLst/>
-                <a:latin typeface="-apple-system"/>
-              </a:rPr>
-              <a:t>T101389-10002-Annotated – Data Asset View</a:t>
-            </a:r>
-            <a:endParaRPr lang="en-US" sz="1400" dirty="0">
-              <a:solidFill>
-                <a:schemeClr val="bg1"/>
-              </a:solidFill>
-            </a:endParaRPr>
-          </a:p>
-        </p:txBody>
-      </p:sp>
       <p:pic>
         <p:nvPicPr>
-          <p:cNvPr id="4" name="Picture 3">
-            <a:extLst>
-              <a:ext uri="{FF2B5EF4-FFF2-40B4-BE49-F238E27FC236}">
-                <a16:creationId xmlns:a16="http://schemas.microsoft.com/office/drawing/2014/main" id="{A43EBCC6-867A-4E55-844D-C02A381C6E88}"/>
+          <p:cNvPr id="5" name="Picture 4">
+            <a:extLst>
+              <a:ext uri="{FF2B5EF4-FFF2-40B4-BE49-F238E27FC236}">
+                <a16:creationId xmlns:a16="http://schemas.microsoft.com/office/drawing/2014/main" id="{67287859-4BCE-4F5F-BD58-F9403EA62875}"/>
               </a:ext>
             </a:extLst>
           </p:cNvPr>
@@ -3902,8 +3752,8 @@
         </p:blipFill>
         <p:spPr>
           <a:xfrm>
-            <a:off x="0" y="783014"/>
-            <a:ext cx="12192000" cy="5291971"/>
+            <a:off x="1285875" y="676143"/>
+            <a:ext cx="6972878" cy="5658451"/>
           </a:xfrm>
           <a:prstGeom prst="rect">
             <a:avLst/>
@@ -3912,10 +3762,58 @@
       </p:pic>
       <p:sp>
         <p:nvSpPr>
-          <p:cNvPr id="9" name="Arrow: Right 8">
-            <a:extLst>
-              <a:ext uri="{FF2B5EF4-FFF2-40B4-BE49-F238E27FC236}">
-                <a16:creationId xmlns:a16="http://schemas.microsoft.com/office/drawing/2014/main" id="{AD55E3DE-B140-4E52-B6EA-D7C0007AEF88}"/>
+          <p:cNvPr id="6" name="TextBox 5">
+            <a:extLst>
+              <a:ext uri="{FF2B5EF4-FFF2-40B4-BE49-F238E27FC236}">
+                <a16:creationId xmlns:a16="http://schemas.microsoft.com/office/drawing/2014/main" id="{F1F2F157-46B3-49B3-B279-C384E0D94686}"/>
+              </a:ext>
+            </a:extLst>
+          </p:cNvPr>
+          <p:cNvSpPr txBox="1"/>
+          <p:nvPr/>
+        </p:nvSpPr>
+        <p:spPr>
+          <a:xfrm>
+            <a:off x="0" y="0"/>
+            <a:ext cx="12192000" cy="307777"/>
+          </a:xfrm>
+          <a:prstGeom prst="rect">
+            <a:avLst/>
+          </a:prstGeom>
+          <a:solidFill>
+            <a:schemeClr val="tx1"/>
+          </a:solidFill>
+        </p:spPr>
+        <p:txBody>
+          <a:bodyPr wrap="square">
+            <a:spAutoFit/>
+          </a:bodyPr>
+          <a:lstStyle/>
+          <a:p>
+            <a:r>
+              <a:rPr lang="en-US" sz="1400" b="1" i="0" dirty="0">
+                <a:solidFill>
+                  <a:schemeClr val="bg1"/>
+                </a:solidFill>
+                <a:effectLst/>
+                <a:latin typeface="-apple-system"/>
+              </a:rPr>
+              <a:t>Find Master Manifest</a:t>
+            </a:r>
+            <a:endParaRPr lang="en-US" sz="1400" dirty="0">
+              <a:solidFill>
+                <a:schemeClr val="bg1"/>
+              </a:solidFill>
+            </a:endParaRPr>
+          </a:p>
+        </p:txBody>
+      </p:sp>
+      <p:sp>
+        <p:nvSpPr>
+          <p:cNvPr id="7" name="Arrow: Right 6">
+            <a:extLst>
+              <a:ext uri="{FF2B5EF4-FFF2-40B4-BE49-F238E27FC236}">
+                <a16:creationId xmlns:a16="http://schemas.microsoft.com/office/drawing/2014/main" id="{746EBE9B-436D-4087-B297-F025693B1C0B}"/>
               </a:ext>
             </a:extLst>
           </p:cNvPr>
@@ -3923,8 +3821,8 @@
           <p:nvPr/>
         </p:nvSpPr>
         <p:spPr>
-          <a:xfrm rot="10800000">
-            <a:off x="2351264" y="3283526"/>
+          <a:xfrm>
+            <a:off x="1206211" y="2106755"/>
             <a:ext cx="374073" cy="290946"/>
           </a:xfrm>
           <a:prstGeom prst="rightArrow">
@@ -3962,62 +3860,10 @@
           </a:p>
         </p:txBody>
       </p:sp>
-      <p:sp>
-        <p:nvSpPr>
-          <p:cNvPr id="10" name="Arrow: Right 9">
-            <a:extLst>
-              <a:ext uri="{FF2B5EF4-FFF2-40B4-BE49-F238E27FC236}">
-                <a16:creationId xmlns:a16="http://schemas.microsoft.com/office/drawing/2014/main" id="{B4E5378A-8F3D-47FA-A44F-8A83A9895BCC}"/>
-              </a:ext>
-            </a:extLst>
-          </p:cNvPr>
-          <p:cNvSpPr/>
-          <p:nvPr/>
-        </p:nvSpPr>
-        <p:spPr>
-          <a:xfrm>
-            <a:off x="7178386" y="2783030"/>
-            <a:ext cx="374073" cy="290946"/>
-          </a:xfrm>
-          <a:prstGeom prst="rightArrow">
-            <a:avLst/>
-          </a:prstGeom>
-          <a:solidFill>
-            <a:srgbClr val="FF0000"/>
-          </a:solidFill>
-          <a:ln>
-            <a:noFill/>
-          </a:ln>
-        </p:spPr>
-        <p:style>
-          <a:lnRef idx="2">
-            <a:schemeClr val="accent1">
-              <a:shade val="50000"/>
-            </a:schemeClr>
-          </a:lnRef>
-          <a:fillRef idx="1">
-            <a:schemeClr val="accent1"/>
-          </a:fillRef>
-          <a:effectRef idx="0">
-            <a:schemeClr val="accent1"/>
-          </a:effectRef>
-          <a:fontRef idx="minor">
-            <a:schemeClr val="lt1"/>
-          </a:fontRef>
-        </p:style>
-        <p:txBody>
-          <a:bodyPr rtlCol="0" anchor="ctr"/>
-          <a:lstStyle/>
-          <a:p>
-            <a:pPr algn="ctr"/>
-            <a:endParaRPr lang="en-US"/>
-          </a:p>
-        </p:txBody>
-      </p:sp>
     </p:spTree>
     <p:extLst>
       <p:ext uri="{BB962C8B-B14F-4D97-AF65-F5344CB8AC3E}">
-        <p14:creationId xmlns:p14="http://schemas.microsoft.com/office/powerpoint/2010/main" val="2543289481"/>
+        <p14:creationId xmlns:p14="http://schemas.microsoft.com/office/powerpoint/2010/main" val="2926805595"/>
       </p:ext>
     </p:extLst>
   </p:cSld>
@@ -4044,140 +3890,46 @@
           <a:chExt cx="0" cy="0"/>
         </a:xfrm>
       </p:grpSpPr>
-      <p:pic>
-        <p:nvPicPr>
-          <p:cNvPr id="3" name="Picture 2">
-            <a:extLst>
-              <a:ext uri="{FF2B5EF4-FFF2-40B4-BE49-F238E27FC236}">
-                <a16:creationId xmlns:a16="http://schemas.microsoft.com/office/drawing/2014/main" id="{213D8403-D6DF-45F1-AF41-15F6C5DD4BD9}"/>
-              </a:ext>
-            </a:extLst>
-          </p:cNvPr>
-          <p:cNvPicPr>
-            <a:picLocks noChangeAspect="1"/>
-          </p:cNvPicPr>
-          <p:nvPr/>
-        </p:nvPicPr>
-        <p:blipFill>
-          <a:blip r:embed="rId2"/>
-          <a:stretch>
-            <a:fillRect/>
-          </a:stretch>
-        </p:blipFill>
-        <p:spPr>
-          <a:xfrm>
-            <a:off x="0" y="287960"/>
-            <a:ext cx="12192000" cy="6282080"/>
-          </a:xfrm>
-          <a:prstGeom prst="rect">
-            <a:avLst/>
-          </a:prstGeom>
-        </p:spPr>
-      </p:pic>
-      <p:sp>
-        <p:nvSpPr>
-          <p:cNvPr id="7" name="TextBox 6">
-            <a:extLst>
-              <a:ext uri="{FF2B5EF4-FFF2-40B4-BE49-F238E27FC236}">
-                <a16:creationId xmlns:a16="http://schemas.microsoft.com/office/drawing/2014/main" id="{4B15080C-208A-4EA5-959D-4B354F9F4058}"/>
-              </a:ext>
-            </a:extLst>
-          </p:cNvPr>
-          <p:cNvSpPr txBox="1"/>
-          <p:nvPr/>
-        </p:nvSpPr>
-        <p:spPr>
-          <a:xfrm>
-            <a:off x="0" y="0"/>
-            <a:ext cx="12192000" cy="307777"/>
-          </a:xfrm>
-          <a:prstGeom prst="rect">
-            <a:avLst/>
-          </a:prstGeom>
-          <a:solidFill>
-            <a:schemeClr val="tx1"/>
-          </a:solidFill>
-        </p:spPr>
-        <p:txBody>
-          <a:bodyPr wrap="square">
-            <a:spAutoFit/>
+      <p:sp>
+        <p:nvSpPr>
+          <p:cNvPr id="2" name="Title 1">
+            <a:extLst>
+              <a:ext uri="{FF2B5EF4-FFF2-40B4-BE49-F238E27FC236}">
+                <a16:creationId xmlns:a16="http://schemas.microsoft.com/office/drawing/2014/main" id="{2AF48E58-0B69-481D-9D74-885872F23360}"/>
+              </a:ext>
+            </a:extLst>
+          </p:cNvPr>
+          <p:cNvSpPr>
+            <a:spLocks noGrp="1"/>
+          </p:cNvSpPr>
+          <p:nvPr>
+            <p:ph type="title"/>
+          </p:nvPr>
+        </p:nvSpPr>
+        <p:spPr>
+          <a:xfrm>
+            <a:off x="704850" y="3097609"/>
+            <a:ext cx="10515600" cy="662781"/>
+          </a:xfrm>
+        </p:spPr>
+        <p:txBody>
+          <a:bodyPr>
+            <a:normAutofit/>
           </a:bodyPr>
           <a:lstStyle/>
           <a:p>
-            <a:r>
-              <a:rPr lang="en-US" sz="1400" b="1" i="0" dirty="0">
-                <a:solidFill>
-                  <a:schemeClr val="bg1"/>
-                </a:solidFill>
-                <a:effectLst/>
-                <a:latin typeface="-apple-system"/>
-              </a:rPr>
-              <a:t>T101389-10002-Annotated – Data Asset View</a:t>
-            </a:r>
-            <a:endParaRPr lang="en-US" sz="1400" dirty="0">
-              <a:solidFill>
-                <a:schemeClr val="bg1"/>
-              </a:solidFill>
-            </a:endParaRPr>
-          </a:p>
-        </p:txBody>
-      </p:sp>
-      <p:sp>
-        <p:nvSpPr>
-          <p:cNvPr id="9" name="Arrow: Right 8">
-            <a:extLst>
-              <a:ext uri="{FF2B5EF4-FFF2-40B4-BE49-F238E27FC236}">
-                <a16:creationId xmlns:a16="http://schemas.microsoft.com/office/drawing/2014/main" id="{AD55E3DE-B140-4E52-B6EA-D7C0007AEF88}"/>
-              </a:ext>
-            </a:extLst>
-          </p:cNvPr>
-          <p:cNvSpPr/>
-          <p:nvPr/>
-        </p:nvSpPr>
-        <p:spPr>
-          <a:xfrm rot="10800000">
-            <a:off x="2998964" y="2226251"/>
-            <a:ext cx="374073" cy="290946"/>
-          </a:xfrm>
-          <a:prstGeom prst="rightArrow">
-            <a:avLst/>
-          </a:prstGeom>
-          <a:solidFill>
-            <a:srgbClr val="FF0000"/>
-          </a:solidFill>
-          <a:ln>
-            <a:noFill/>
-          </a:ln>
-        </p:spPr>
-        <p:style>
-          <a:lnRef idx="2">
-            <a:schemeClr val="accent1">
-              <a:shade val="50000"/>
-            </a:schemeClr>
-          </a:lnRef>
-          <a:fillRef idx="1">
-            <a:schemeClr val="accent1"/>
-          </a:fillRef>
-          <a:effectRef idx="0">
-            <a:schemeClr val="accent1"/>
-          </a:effectRef>
-          <a:fontRef idx="minor">
-            <a:schemeClr val="lt1"/>
-          </a:fontRef>
-        </p:style>
-        <p:txBody>
-          <a:bodyPr rtlCol="0" anchor="ctr"/>
-          <a:lstStyle/>
-          <a:p>
             <a:pPr algn="ctr"/>
-            <a:endParaRPr lang="en-US"/>
+            <a:r>
+              <a:rPr lang="en-US" sz="2400" b="1" dirty="0"/>
+              <a:t>Working with Manifest</a:t>
+            </a:r>
           </a:p>
         </p:txBody>
       </p:sp>
     </p:spTree>
     <p:extLst>
       <p:ext uri="{BB962C8B-B14F-4D97-AF65-F5344CB8AC3E}">
-        <p14:creationId xmlns:p14="http://schemas.microsoft.com/office/powerpoint/2010/main" val="3912417295"/>
+        <p14:creationId xmlns:p14="http://schemas.microsoft.com/office/powerpoint/2010/main" val="1259736476"/>
       </p:ext>
     </p:extLst>
   </p:cSld>
@@ -4204,12 +3956,60 @@
           <a:chExt cx="0" cy="0"/>
         </a:xfrm>
       </p:grpSpPr>
+      <p:sp>
+        <p:nvSpPr>
+          <p:cNvPr id="6" name="TextBox 5">
+            <a:extLst>
+              <a:ext uri="{FF2B5EF4-FFF2-40B4-BE49-F238E27FC236}">
+                <a16:creationId xmlns:a16="http://schemas.microsoft.com/office/drawing/2014/main" id="{F1F2F157-46B3-49B3-B279-C384E0D94686}"/>
+              </a:ext>
+            </a:extLst>
+          </p:cNvPr>
+          <p:cNvSpPr txBox="1"/>
+          <p:nvPr/>
+        </p:nvSpPr>
+        <p:spPr>
+          <a:xfrm>
+            <a:off x="0" y="0"/>
+            <a:ext cx="12192000" cy="307777"/>
+          </a:xfrm>
+          <a:prstGeom prst="rect">
+            <a:avLst/>
+          </a:prstGeom>
+          <a:solidFill>
+            <a:schemeClr val="tx1"/>
+          </a:solidFill>
+        </p:spPr>
+        <p:txBody>
+          <a:bodyPr wrap="square">
+            <a:spAutoFit/>
+          </a:bodyPr>
+          <a:lstStyle/>
+          <a:p>
+            <a:r>
+              <a:rPr lang="en-US" sz="1400" b="1" i="0" dirty="0">
+                <a:solidFill>
+                  <a:schemeClr val="bg1"/>
+                </a:solidFill>
+                <a:effectLst/>
+                <a:latin typeface="-apple-system"/>
+              </a:rPr>
+              <a:t>Find the T101389-s2 Master Manifest: Result</a:t>
+            </a:r>
+            <a:endParaRPr lang="en-US" sz="1400" dirty="0">
+              <a:solidFill>
+                <a:schemeClr val="bg1"/>
+              </a:solidFill>
+            </a:endParaRPr>
+          </a:p>
+        </p:txBody>
+      </p:sp>
       <p:pic>
         <p:nvPicPr>
-          <p:cNvPr id="5" name="Picture 4">
-            <a:extLst>
-              <a:ext uri="{FF2B5EF4-FFF2-40B4-BE49-F238E27FC236}">
-                <a16:creationId xmlns:a16="http://schemas.microsoft.com/office/drawing/2014/main" id="{67287859-4BCE-4F5F-BD58-F9403EA62875}"/>
+          <p:cNvPr id="3" name="Picture 2">
+            <a:extLst>
+              <a:ext uri="{FF2B5EF4-FFF2-40B4-BE49-F238E27FC236}">
+                <a16:creationId xmlns:a16="http://schemas.microsoft.com/office/drawing/2014/main" id="{9485D4C5-AA44-4C0E-8985-2D6D6530AE7F}"/>
               </a:ext>
             </a:extLst>
           </p:cNvPr>
@@ -4226,8 +4026,8 @@
         </p:blipFill>
         <p:spPr>
           <a:xfrm>
-            <a:off x="1285875" y="676143"/>
-            <a:ext cx="6972878" cy="5658451"/>
+            <a:off x="0" y="1433601"/>
+            <a:ext cx="12192000" cy="3990798"/>
           </a:xfrm>
           <a:prstGeom prst="rect">
             <a:avLst/>
@@ -4236,58 +4036,10 @@
       </p:pic>
       <p:sp>
         <p:nvSpPr>
-          <p:cNvPr id="6" name="TextBox 5">
-            <a:extLst>
-              <a:ext uri="{FF2B5EF4-FFF2-40B4-BE49-F238E27FC236}">
-                <a16:creationId xmlns:a16="http://schemas.microsoft.com/office/drawing/2014/main" id="{F1F2F157-46B3-49B3-B279-C384E0D94686}"/>
-              </a:ext>
-            </a:extLst>
-          </p:cNvPr>
-          <p:cNvSpPr txBox="1"/>
-          <p:nvPr/>
-        </p:nvSpPr>
-        <p:spPr>
-          <a:xfrm>
-            <a:off x="0" y="0"/>
-            <a:ext cx="12192000" cy="307777"/>
-          </a:xfrm>
-          <a:prstGeom prst="rect">
-            <a:avLst/>
-          </a:prstGeom>
-          <a:solidFill>
-            <a:schemeClr val="tx1"/>
-          </a:solidFill>
-        </p:spPr>
-        <p:txBody>
-          <a:bodyPr wrap="square">
-            <a:spAutoFit/>
-          </a:bodyPr>
-          <a:lstStyle/>
-          <a:p>
-            <a:r>
-              <a:rPr lang="en-US" sz="1400" b="1" i="0" dirty="0">
-                <a:solidFill>
-                  <a:schemeClr val="bg1"/>
-                </a:solidFill>
-                <a:effectLst/>
-                <a:latin typeface="-apple-system"/>
-              </a:rPr>
-              <a:t>Find the T101389-s2 Master Manifest</a:t>
-            </a:r>
-            <a:endParaRPr lang="en-US" sz="1400" dirty="0">
-              <a:solidFill>
-                <a:schemeClr val="bg1"/>
-              </a:solidFill>
-            </a:endParaRPr>
-          </a:p>
-        </p:txBody>
-      </p:sp>
-      <p:sp>
-        <p:nvSpPr>
           <p:cNvPr id="7" name="Arrow: Right 6">
             <a:extLst>
               <a:ext uri="{FF2B5EF4-FFF2-40B4-BE49-F238E27FC236}">
-                <a16:creationId xmlns:a16="http://schemas.microsoft.com/office/drawing/2014/main" id="{746EBE9B-436D-4087-B297-F025693B1C0B}"/>
+                <a16:creationId xmlns:a16="http://schemas.microsoft.com/office/drawing/2014/main" id="{2635EE29-FBAE-4FF8-8E1C-14D5AD91725E}"/>
               </a:ext>
             </a:extLst>
           </p:cNvPr>
@@ -4296,7 +4048,7 @@
         </p:nvSpPr>
         <p:spPr>
           <a:xfrm>
-            <a:off x="1206211" y="2106755"/>
+            <a:off x="2892136" y="3283527"/>
             <a:ext cx="374073" cy="290946"/>
           </a:xfrm>
           <a:prstGeom prst="rightArrow">
@@ -4337,7 +4089,7 @@
     </p:spTree>
     <p:extLst>
       <p:ext uri="{BB962C8B-B14F-4D97-AF65-F5344CB8AC3E}">
-        <p14:creationId xmlns:p14="http://schemas.microsoft.com/office/powerpoint/2010/main" val="2926805595"/>
+        <p14:creationId xmlns:p14="http://schemas.microsoft.com/office/powerpoint/2010/main" val="4238935064"/>
       </p:ext>
     </p:extLst>
   </p:cSld>
@@ -4366,44 +4118,138 @@
       </p:grpSpPr>
       <p:sp>
         <p:nvSpPr>
-          <p:cNvPr id="2" name="Title 1">
-            <a:extLst>
-              <a:ext uri="{FF2B5EF4-FFF2-40B4-BE49-F238E27FC236}">
-                <a16:creationId xmlns:a16="http://schemas.microsoft.com/office/drawing/2014/main" id="{2AF48E58-0B69-481D-9D74-885872F23360}"/>
-              </a:ext>
-            </a:extLst>
-          </p:cNvPr>
-          <p:cNvSpPr>
-            <a:spLocks noGrp="1"/>
-          </p:cNvSpPr>
-          <p:nvPr>
-            <p:ph type="title"/>
-          </p:nvPr>
-        </p:nvSpPr>
-        <p:spPr>
-          <a:xfrm>
-            <a:off x="704850" y="3097609"/>
-            <a:ext cx="10515600" cy="662781"/>
-          </a:xfrm>
-        </p:spPr>
-        <p:txBody>
-          <a:bodyPr>
-            <a:normAutofit/>
+          <p:cNvPr id="6" name="TextBox 5">
+            <a:extLst>
+              <a:ext uri="{FF2B5EF4-FFF2-40B4-BE49-F238E27FC236}">
+                <a16:creationId xmlns:a16="http://schemas.microsoft.com/office/drawing/2014/main" id="{F1F2F157-46B3-49B3-B279-C384E0D94686}"/>
+              </a:ext>
+            </a:extLst>
+          </p:cNvPr>
+          <p:cNvSpPr txBox="1"/>
+          <p:nvPr/>
+        </p:nvSpPr>
+        <p:spPr>
+          <a:xfrm>
+            <a:off x="0" y="0"/>
+            <a:ext cx="12192000" cy="307777"/>
+          </a:xfrm>
+          <a:prstGeom prst="rect">
+            <a:avLst/>
+          </a:prstGeom>
+          <a:solidFill>
+            <a:schemeClr val="tx1"/>
+          </a:solidFill>
+        </p:spPr>
+        <p:txBody>
+          <a:bodyPr wrap="square">
+            <a:spAutoFit/>
           </a:bodyPr>
           <a:lstStyle/>
           <a:p>
+            <a:r>
+              <a:rPr lang="en-US" sz="1400" b="1" i="0" dirty="0">
+                <a:solidFill>
+                  <a:schemeClr val="bg1"/>
+                </a:solidFill>
+                <a:effectLst/>
+                <a:latin typeface="-apple-system"/>
+              </a:rPr>
+              <a:t>Export Manifest to WKC/CP4D</a:t>
+            </a:r>
+            <a:endParaRPr lang="en-US" sz="1400" dirty="0">
+              <a:solidFill>
+                <a:schemeClr val="bg1"/>
+              </a:solidFill>
+            </a:endParaRPr>
+          </a:p>
+        </p:txBody>
+      </p:sp>
+      <p:pic>
+        <p:nvPicPr>
+          <p:cNvPr id="4" name="Picture 3">
+            <a:extLst>
+              <a:ext uri="{FF2B5EF4-FFF2-40B4-BE49-F238E27FC236}">
+                <a16:creationId xmlns:a16="http://schemas.microsoft.com/office/drawing/2014/main" id="{6793AAB6-F5F0-4CAE-A976-01AE263F285A}"/>
+              </a:ext>
+            </a:extLst>
+          </p:cNvPr>
+          <p:cNvPicPr>
+            <a:picLocks noChangeAspect="1"/>
+          </p:cNvPicPr>
+          <p:nvPr/>
+        </p:nvPicPr>
+        <p:blipFill>
+          <a:blip r:embed="rId2"/>
+          <a:stretch>
+            <a:fillRect/>
+          </a:stretch>
+        </p:blipFill>
+        <p:spPr>
+          <a:xfrm>
+            <a:off x="0" y="598052"/>
+            <a:ext cx="12192000" cy="5661896"/>
+          </a:xfrm>
+          <a:prstGeom prst="rect">
+            <a:avLst/>
+          </a:prstGeom>
+        </p:spPr>
+      </p:pic>
+      <p:sp>
+        <p:nvSpPr>
+          <p:cNvPr id="8" name="Arrow: Right 7">
+            <a:extLst>
+              <a:ext uri="{FF2B5EF4-FFF2-40B4-BE49-F238E27FC236}">
+                <a16:creationId xmlns:a16="http://schemas.microsoft.com/office/drawing/2014/main" id="{9A7C9FC6-A579-4752-87A5-C8E0FCD0345C}"/>
+              </a:ext>
+            </a:extLst>
+          </p:cNvPr>
+          <p:cNvSpPr/>
+          <p:nvPr/>
+        </p:nvSpPr>
+        <p:spPr>
+          <a:xfrm>
+            <a:off x="2949286" y="1654752"/>
+            <a:ext cx="374073" cy="290946"/>
+          </a:xfrm>
+          <a:prstGeom prst="rightArrow">
+            <a:avLst/>
+          </a:prstGeom>
+          <a:solidFill>
+            <a:srgbClr val="FF0000"/>
+          </a:solidFill>
+          <a:ln>
+            <a:noFill/>
+          </a:ln>
+        </p:spPr>
+        <p:style>
+          <a:lnRef idx="2">
+            <a:schemeClr val="accent1">
+              <a:shade val="50000"/>
+            </a:schemeClr>
+          </a:lnRef>
+          <a:fillRef idx="1">
+            <a:schemeClr val="accent1"/>
+          </a:fillRef>
+          <a:effectRef idx="0">
+            <a:schemeClr val="accent1"/>
+          </a:effectRef>
+          <a:fontRef idx="minor">
+            <a:schemeClr val="lt1"/>
+          </a:fontRef>
+        </p:style>
+        <p:txBody>
+          <a:bodyPr rtlCol="0" anchor="ctr"/>
+          <a:lstStyle/>
+          <a:p>
             <a:pPr algn="ctr"/>
-            <a:r>
-              <a:rPr lang="en-US" sz="2400" b="1" dirty="0"/>
-              <a:t>Working with Manifest</a:t>
-            </a:r>
+            <a:endParaRPr lang="en-US"/>
           </a:p>
         </p:txBody>
       </p:sp>
     </p:spTree>
     <p:extLst>
       <p:ext uri="{BB962C8B-B14F-4D97-AF65-F5344CB8AC3E}">
-        <p14:creationId xmlns:p14="http://schemas.microsoft.com/office/powerpoint/2010/main" val="1259736476"/>
+        <p14:creationId xmlns:p14="http://schemas.microsoft.com/office/powerpoint/2010/main" val="1850313689"/>
       </p:ext>
     </p:extLst>
   </p:cSld>
@@ -4430,60 +4276,12 @@
           <a:chExt cx="0" cy="0"/>
         </a:xfrm>
       </p:grpSpPr>
-      <p:sp>
-        <p:nvSpPr>
-          <p:cNvPr id="6" name="TextBox 5">
-            <a:extLst>
-              <a:ext uri="{FF2B5EF4-FFF2-40B4-BE49-F238E27FC236}">
-                <a16:creationId xmlns:a16="http://schemas.microsoft.com/office/drawing/2014/main" id="{F1F2F157-46B3-49B3-B279-C384E0D94686}"/>
-              </a:ext>
-            </a:extLst>
-          </p:cNvPr>
-          <p:cNvSpPr txBox="1"/>
-          <p:nvPr/>
-        </p:nvSpPr>
-        <p:spPr>
-          <a:xfrm>
-            <a:off x="0" y="0"/>
-            <a:ext cx="12192000" cy="307777"/>
-          </a:xfrm>
-          <a:prstGeom prst="rect">
-            <a:avLst/>
-          </a:prstGeom>
-          <a:solidFill>
-            <a:schemeClr val="tx1"/>
-          </a:solidFill>
-        </p:spPr>
-        <p:txBody>
-          <a:bodyPr wrap="square">
-            <a:spAutoFit/>
-          </a:bodyPr>
-          <a:lstStyle/>
-          <a:p>
-            <a:r>
-              <a:rPr lang="en-US" sz="1400" b="1" i="0" dirty="0">
-                <a:solidFill>
-                  <a:schemeClr val="bg1"/>
-                </a:solidFill>
-                <a:effectLst/>
-                <a:latin typeface="-apple-system"/>
-              </a:rPr>
-              <a:t>Find the T101389-s2 Master Manifest: Result</a:t>
-            </a:r>
-            <a:endParaRPr lang="en-US" sz="1400" dirty="0">
-              <a:solidFill>
-                <a:schemeClr val="bg1"/>
-              </a:solidFill>
-            </a:endParaRPr>
-          </a:p>
-        </p:txBody>
-      </p:sp>
       <p:pic>
         <p:nvPicPr>
-          <p:cNvPr id="3" name="Picture 2">
-            <a:extLst>
-              <a:ext uri="{FF2B5EF4-FFF2-40B4-BE49-F238E27FC236}">
-                <a16:creationId xmlns:a16="http://schemas.microsoft.com/office/drawing/2014/main" id="{9485D4C5-AA44-4C0E-8985-2D6D6530AE7F}"/>
+          <p:cNvPr id="5" name="Picture 4">
+            <a:extLst>
+              <a:ext uri="{FF2B5EF4-FFF2-40B4-BE49-F238E27FC236}">
+                <a16:creationId xmlns:a16="http://schemas.microsoft.com/office/drawing/2014/main" id="{AA43F039-1D76-4323-98BF-D57B5807A309}"/>
               </a:ext>
             </a:extLst>
           </p:cNvPr>
@@ -4500,8 +4298,8 @@
         </p:blipFill>
         <p:spPr>
           <a:xfrm>
-            <a:off x="0" y="1433601"/>
-            <a:ext cx="12192000" cy="3990798"/>
+            <a:off x="0" y="420486"/>
+            <a:ext cx="12192000" cy="6017027"/>
           </a:xfrm>
           <a:prstGeom prst="rect">
             <a:avLst/>
@@ -4510,10 +4308,58 @@
       </p:pic>
       <p:sp>
         <p:nvSpPr>
+          <p:cNvPr id="6" name="TextBox 5">
+            <a:extLst>
+              <a:ext uri="{FF2B5EF4-FFF2-40B4-BE49-F238E27FC236}">
+                <a16:creationId xmlns:a16="http://schemas.microsoft.com/office/drawing/2014/main" id="{9B3FA339-92B5-487C-B2F0-99B6B00A5E63}"/>
+              </a:ext>
+            </a:extLst>
+          </p:cNvPr>
+          <p:cNvSpPr txBox="1"/>
+          <p:nvPr/>
+        </p:nvSpPr>
+        <p:spPr>
+          <a:xfrm>
+            <a:off x="0" y="0"/>
+            <a:ext cx="12192000" cy="307777"/>
+          </a:xfrm>
+          <a:prstGeom prst="rect">
+            <a:avLst/>
+          </a:prstGeom>
+          <a:solidFill>
+            <a:schemeClr val="tx1"/>
+          </a:solidFill>
+        </p:spPr>
+        <p:txBody>
+          <a:bodyPr wrap="square">
+            <a:spAutoFit/>
+          </a:bodyPr>
+          <a:lstStyle/>
+          <a:p>
+            <a:r>
+              <a:rPr lang="en-US" sz="1400" b="1" i="0" dirty="0">
+                <a:solidFill>
+                  <a:schemeClr val="bg1"/>
+                </a:solidFill>
+                <a:effectLst/>
+                <a:latin typeface="-apple-system"/>
+              </a:rPr>
+              <a:t>Manifest (T101389_s2_manifest.csv) Exported to WKC</a:t>
+            </a:r>
+            <a:endParaRPr lang="en-US" sz="1400" dirty="0">
+              <a:solidFill>
+                <a:schemeClr val="bg1"/>
+              </a:solidFill>
+            </a:endParaRPr>
+          </a:p>
+        </p:txBody>
+      </p:sp>
+      <p:sp>
+        <p:nvSpPr>
           <p:cNvPr id="7" name="Arrow: Right 6">
             <a:extLst>
               <a:ext uri="{FF2B5EF4-FFF2-40B4-BE49-F238E27FC236}">
-                <a16:creationId xmlns:a16="http://schemas.microsoft.com/office/drawing/2014/main" id="{2635EE29-FBAE-4FF8-8E1C-14D5AD91725E}"/>
+                <a16:creationId xmlns:a16="http://schemas.microsoft.com/office/drawing/2014/main" id="{83AA6082-4B6D-474B-889C-369D8427289C}"/>
               </a:ext>
             </a:extLst>
           </p:cNvPr>
@@ -4522,7 +4368,7 @@
         </p:nvSpPr>
         <p:spPr>
           <a:xfrm>
-            <a:off x="2892136" y="3283527"/>
+            <a:off x="158461" y="3207327"/>
             <a:ext cx="374073" cy="290946"/>
           </a:xfrm>
           <a:prstGeom prst="rightArrow">
@@ -4560,10 +4406,62 @@
           </a:p>
         </p:txBody>
       </p:sp>
+      <p:sp>
+        <p:nvSpPr>
+          <p:cNvPr id="8" name="Arrow: Right 7">
+            <a:extLst>
+              <a:ext uri="{FF2B5EF4-FFF2-40B4-BE49-F238E27FC236}">
+                <a16:creationId xmlns:a16="http://schemas.microsoft.com/office/drawing/2014/main" id="{6ECA5BE5-8ABD-40A8-AEF9-CC3CCB6EDE0C}"/>
+              </a:ext>
+            </a:extLst>
+          </p:cNvPr>
+          <p:cNvSpPr/>
+          <p:nvPr/>
+        </p:nvSpPr>
+        <p:spPr>
+          <a:xfrm>
+            <a:off x="0" y="5388552"/>
+            <a:ext cx="374073" cy="290946"/>
+          </a:xfrm>
+          <a:prstGeom prst="rightArrow">
+            <a:avLst/>
+          </a:prstGeom>
+          <a:solidFill>
+            <a:srgbClr val="FF0000"/>
+          </a:solidFill>
+          <a:ln>
+            <a:noFill/>
+          </a:ln>
+        </p:spPr>
+        <p:style>
+          <a:lnRef idx="2">
+            <a:schemeClr val="accent1">
+              <a:shade val="50000"/>
+            </a:schemeClr>
+          </a:lnRef>
+          <a:fillRef idx="1">
+            <a:schemeClr val="accent1"/>
+          </a:fillRef>
+          <a:effectRef idx="0">
+            <a:schemeClr val="accent1"/>
+          </a:effectRef>
+          <a:fontRef idx="minor">
+            <a:schemeClr val="lt1"/>
+          </a:fontRef>
+        </p:style>
+        <p:txBody>
+          <a:bodyPr rtlCol="0" anchor="ctr"/>
+          <a:lstStyle/>
+          <a:p>
+            <a:pPr algn="ctr"/>
+            <a:endParaRPr lang="en-US"/>
+          </a:p>
+        </p:txBody>
+      </p:sp>
     </p:spTree>
     <p:extLst>
       <p:ext uri="{BB962C8B-B14F-4D97-AF65-F5344CB8AC3E}">
-        <p14:creationId xmlns:p14="http://schemas.microsoft.com/office/powerpoint/2010/main" val="4238935064"/>
+        <p14:creationId xmlns:p14="http://schemas.microsoft.com/office/powerpoint/2010/main" val="1589223916"/>
       </p:ext>
     </p:extLst>
   </p:cSld>
@@ -4595,7 +4493,7 @@
           <p:cNvPr id="6" name="TextBox 5">
             <a:extLst>
               <a:ext uri="{FF2B5EF4-FFF2-40B4-BE49-F238E27FC236}">
-                <a16:creationId xmlns:a16="http://schemas.microsoft.com/office/drawing/2014/main" id="{F1F2F157-46B3-49B3-B279-C384E0D94686}"/>
+                <a16:creationId xmlns:a16="http://schemas.microsoft.com/office/drawing/2014/main" id="{47A5A813-9D57-430D-8495-F1C1E53801D9}"/>
               </a:ext>
             </a:extLst>
           </p:cNvPr>
@@ -4628,7 +4526,7 @@
                 <a:effectLst/>
                 <a:latin typeface="-apple-system"/>
               </a:rPr>
-              <a:t>Export Manifest to WKC/CP4D</a:t>
+              <a:t>Working with the Manifest in WKC</a:t>
             </a:r>
             <a:endParaRPr lang="en-US" sz="1400" dirty="0">
               <a:solidFill>
@@ -4640,10 +4538,10 @@
       </p:sp>
       <p:pic>
         <p:nvPicPr>
-          <p:cNvPr id="4" name="Picture 3">
-            <a:extLst>
-              <a:ext uri="{FF2B5EF4-FFF2-40B4-BE49-F238E27FC236}">
-                <a16:creationId xmlns:a16="http://schemas.microsoft.com/office/drawing/2014/main" id="{6793AAB6-F5F0-4CAE-A976-01AE263F285A}"/>
+          <p:cNvPr id="3" name="Picture 2">
+            <a:extLst>
+              <a:ext uri="{FF2B5EF4-FFF2-40B4-BE49-F238E27FC236}">
+                <a16:creationId xmlns:a16="http://schemas.microsoft.com/office/drawing/2014/main" id="{3B61B9FD-6D8D-49D3-BD83-7AF5A82E95CB}"/>
               </a:ext>
             </a:extLst>
           </p:cNvPr>
@@ -4660,70 +4558,18 @@
         </p:blipFill>
         <p:spPr>
           <a:xfrm>
-            <a:off x="0" y="598052"/>
-            <a:ext cx="12192000" cy="5661896"/>
+            <a:off x="0" y="553109"/>
+            <a:ext cx="12192000" cy="5751781"/>
           </a:xfrm>
           <a:prstGeom prst="rect">
             <a:avLst/>
           </a:prstGeom>
         </p:spPr>
       </p:pic>
-      <p:sp>
-        <p:nvSpPr>
-          <p:cNvPr id="8" name="Arrow: Right 7">
-            <a:extLst>
-              <a:ext uri="{FF2B5EF4-FFF2-40B4-BE49-F238E27FC236}">
-                <a16:creationId xmlns:a16="http://schemas.microsoft.com/office/drawing/2014/main" id="{9A7C9FC6-A579-4752-87A5-C8E0FCD0345C}"/>
-              </a:ext>
-            </a:extLst>
-          </p:cNvPr>
-          <p:cNvSpPr/>
-          <p:nvPr/>
-        </p:nvSpPr>
-        <p:spPr>
-          <a:xfrm>
-            <a:off x="2949286" y="1654752"/>
-            <a:ext cx="374073" cy="290946"/>
-          </a:xfrm>
-          <a:prstGeom prst="rightArrow">
-            <a:avLst/>
-          </a:prstGeom>
-          <a:solidFill>
-            <a:srgbClr val="FF0000"/>
-          </a:solidFill>
-          <a:ln>
-            <a:noFill/>
-          </a:ln>
-        </p:spPr>
-        <p:style>
-          <a:lnRef idx="2">
-            <a:schemeClr val="accent1">
-              <a:shade val="50000"/>
-            </a:schemeClr>
-          </a:lnRef>
-          <a:fillRef idx="1">
-            <a:schemeClr val="accent1"/>
-          </a:fillRef>
-          <a:effectRef idx="0">
-            <a:schemeClr val="accent1"/>
-          </a:effectRef>
-          <a:fontRef idx="minor">
-            <a:schemeClr val="lt1"/>
-          </a:fontRef>
-        </p:style>
-        <p:txBody>
-          <a:bodyPr rtlCol="0" anchor="ctr"/>
-          <a:lstStyle/>
-          <a:p>
-            <a:pPr algn="ctr"/>
-            <a:endParaRPr lang="en-US"/>
-          </a:p>
-        </p:txBody>
-      </p:sp>
     </p:spTree>
     <p:extLst>
       <p:ext uri="{BB962C8B-B14F-4D97-AF65-F5344CB8AC3E}">
-        <p14:creationId xmlns:p14="http://schemas.microsoft.com/office/powerpoint/2010/main" val="1850313689"/>
+        <p14:creationId xmlns:p14="http://schemas.microsoft.com/office/powerpoint/2010/main" val="331285430"/>
       </p:ext>
     </p:extLst>
   </p:cSld>
@@ -4750,12 +4596,60 @@
           <a:chExt cx="0" cy="0"/>
         </a:xfrm>
       </p:grpSpPr>
+      <p:sp>
+        <p:nvSpPr>
+          <p:cNvPr id="6" name="TextBox 5">
+            <a:extLst>
+              <a:ext uri="{FF2B5EF4-FFF2-40B4-BE49-F238E27FC236}">
+                <a16:creationId xmlns:a16="http://schemas.microsoft.com/office/drawing/2014/main" id="{47A5A813-9D57-430D-8495-F1C1E53801D9}"/>
+              </a:ext>
+            </a:extLst>
+          </p:cNvPr>
+          <p:cNvSpPr txBox="1"/>
+          <p:nvPr/>
+        </p:nvSpPr>
+        <p:spPr>
+          <a:xfrm>
+            <a:off x="0" y="0"/>
+            <a:ext cx="12192000" cy="307777"/>
+          </a:xfrm>
+          <a:prstGeom prst="rect">
+            <a:avLst/>
+          </a:prstGeom>
+          <a:solidFill>
+            <a:schemeClr val="tx1"/>
+          </a:solidFill>
+        </p:spPr>
+        <p:txBody>
+          <a:bodyPr wrap="square">
+            <a:spAutoFit/>
+          </a:bodyPr>
+          <a:lstStyle/>
+          <a:p>
+            <a:r>
+              <a:rPr lang="en-US" sz="1400" b="1" i="0" dirty="0">
+                <a:solidFill>
+                  <a:schemeClr val="bg1"/>
+                </a:solidFill>
+                <a:effectLst/>
+                <a:latin typeface="-apple-system"/>
+              </a:rPr>
+              <a:t>Working with the Manifest in WKC</a:t>
+            </a:r>
+            <a:endParaRPr lang="en-US" sz="1400" dirty="0">
+              <a:solidFill>
+                <a:schemeClr val="bg1"/>
+              </a:solidFill>
+            </a:endParaRPr>
+          </a:p>
+        </p:txBody>
+      </p:sp>
       <p:pic>
         <p:nvPicPr>
-          <p:cNvPr id="5" name="Picture 4">
-            <a:extLst>
-              <a:ext uri="{FF2B5EF4-FFF2-40B4-BE49-F238E27FC236}">
-                <a16:creationId xmlns:a16="http://schemas.microsoft.com/office/drawing/2014/main" id="{AA43F039-1D76-4323-98BF-D57B5807A309}"/>
+          <p:cNvPr id="7" name="Picture 6">
+            <a:extLst>
+              <a:ext uri="{FF2B5EF4-FFF2-40B4-BE49-F238E27FC236}">
+                <a16:creationId xmlns:a16="http://schemas.microsoft.com/office/drawing/2014/main" id="{2BA118C6-5092-4490-9362-2FEF05581CFF}"/>
               </a:ext>
             </a:extLst>
           </p:cNvPr>
@@ -4772,170 +4666,18 @@
         </p:blipFill>
         <p:spPr>
           <a:xfrm>
-            <a:off x="0" y="420486"/>
-            <a:ext cx="12192000" cy="6017027"/>
+            <a:off x="0" y="438370"/>
+            <a:ext cx="12192000" cy="5981260"/>
           </a:xfrm>
           <a:prstGeom prst="rect">
             <a:avLst/>
           </a:prstGeom>
         </p:spPr>
       </p:pic>
-      <p:sp>
-        <p:nvSpPr>
-          <p:cNvPr id="6" name="TextBox 5">
-            <a:extLst>
-              <a:ext uri="{FF2B5EF4-FFF2-40B4-BE49-F238E27FC236}">
-                <a16:creationId xmlns:a16="http://schemas.microsoft.com/office/drawing/2014/main" id="{9B3FA339-92B5-487C-B2F0-99B6B00A5E63}"/>
-              </a:ext>
-            </a:extLst>
-          </p:cNvPr>
-          <p:cNvSpPr txBox="1"/>
-          <p:nvPr/>
-        </p:nvSpPr>
-        <p:spPr>
-          <a:xfrm>
-            <a:off x="0" y="0"/>
-            <a:ext cx="12192000" cy="307777"/>
-          </a:xfrm>
-          <a:prstGeom prst="rect">
-            <a:avLst/>
-          </a:prstGeom>
-          <a:solidFill>
-            <a:schemeClr val="tx1"/>
-          </a:solidFill>
-        </p:spPr>
-        <p:txBody>
-          <a:bodyPr wrap="square">
-            <a:spAutoFit/>
-          </a:bodyPr>
-          <a:lstStyle/>
-          <a:p>
-            <a:r>
-              <a:rPr lang="en-US" sz="1400" b="1" i="0" dirty="0">
-                <a:solidFill>
-                  <a:schemeClr val="bg1"/>
-                </a:solidFill>
-                <a:effectLst/>
-                <a:latin typeface="-apple-system"/>
-              </a:rPr>
-              <a:t>Manifest (T101389_s2_manifest.csv) Exported to WKC</a:t>
-            </a:r>
-            <a:endParaRPr lang="en-US" sz="1400" dirty="0">
-              <a:solidFill>
-                <a:schemeClr val="bg1"/>
-              </a:solidFill>
-            </a:endParaRPr>
-          </a:p>
-        </p:txBody>
-      </p:sp>
-      <p:sp>
-        <p:nvSpPr>
-          <p:cNvPr id="7" name="Arrow: Right 6">
-            <a:extLst>
-              <a:ext uri="{FF2B5EF4-FFF2-40B4-BE49-F238E27FC236}">
-                <a16:creationId xmlns:a16="http://schemas.microsoft.com/office/drawing/2014/main" id="{83AA6082-4B6D-474B-889C-369D8427289C}"/>
-              </a:ext>
-            </a:extLst>
-          </p:cNvPr>
-          <p:cNvSpPr/>
-          <p:nvPr/>
-        </p:nvSpPr>
-        <p:spPr>
-          <a:xfrm>
-            <a:off x="158461" y="3207327"/>
-            <a:ext cx="374073" cy="290946"/>
-          </a:xfrm>
-          <a:prstGeom prst="rightArrow">
-            <a:avLst/>
-          </a:prstGeom>
-          <a:solidFill>
-            <a:srgbClr val="FF0000"/>
-          </a:solidFill>
-          <a:ln>
-            <a:noFill/>
-          </a:ln>
-        </p:spPr>
-        <p:style>
-          <a:lnRef idx="2">
-            <a:schemeClr val="accent1">
-              <a:shade val="50000"/>
-            </a:schemeClr>
-          </a:lnRef>
-          <a:fillRef idx="1">
-            <a:schemeClr val="accent1"/>
-          </a:fillRef>
-          <a:effectRef idx="0">
-            <a:schemeClr val="accent1"/>
-          </a:effectRef>
-          <a:fontRef idx="minor">
-            <a:schemeClr val="lt1"/>
-          </a:fontRef>
-        </p:style>
-        <p:txBody>
-          <a:bodyPr rtlCol="0" anchor="ctr"/>
-          <a:lstStyle/>
-          <a:p>
-            <a:pPr algn="ctr"/>
-            <a:endParaRPr lang="en-US"/>
-          </a:p>
-        </p:txBody>
-      </p:sp>
-      <p:sp>
-        <p:nvSpPr>
-          <p:cNvPr id="8" name="Arrow: Right 7">
-            <a:extLst>
-              <a:ext uri="{FF2B5EF4-FFF2-40B4-BE49-F238E27FC236}">
-                <a16:creationId xmlns:a16="http://schemas.microsoft.com/office/drawing/2014/main" id="{6ECA5BE5-8ABD-40A8-AEF9-CC3CCB6EDE0C}"/>
-              </a:ext>
-            </a:extLst>
-          </p:cNvPr>
-          <p:cNvSpPr/>
-          <p:nvPr/>
-        </p:nvSpPr>
-        <p:spPr>
-          <a:xfrm>
-            <a:off x="0" y="5388552"/>
-            <a:ext cx="374073" cy="290946"/>
-          </a:xfrm>
-          <a:prstGeom prst="rightArrow">
-            <a:avLst/>
-          </a:prstGeom>
-          <a:solidFill>
-            <a:srgbClr val="FF0000"/>
-          </a:solidFill>
-          <a:ln>
-            <a:noFill/>
-          </a:ln>
-        </p:spPr>
-        <p:style>
-          <a:lnRef idx="2">
-            <a:schemeClr val="accent1">
-              <a:shade val="50000"/>
-            </a:schemeClr>
-          </a:lnRef>
-          <a:fillRef idx="1">
-            <a:schemeClr val="accent1"/>
-          </a:fillRef>
-          <a:effectRef idx="0">
-            <a:schemeClr val="accent1"/>
-          </a:effectRef>
-          <a:fontRef idx="minor">
-            <a:schemeClr val="lt1"/>
-          </a:fontRef>
-        </p:style>
-        <p:txBody>
-          <a:bodyPr rtlCol="0" anchor="ctr"/>
-          <a:lstStyle/>
-          <a:p>
-            <a:pPr algn="ctr"/>
-            <a:endParaRPr lang="en-US"/>
-          </a:p>
-        </p:txBody>
-      </p:sp>
     </p:spTree>
     <p:extLst>
       <p:ext uri="{BB962C8B-B14F-4D97-AF65-F5344CB8AC3E}">
-        <p14:creationId xmlns:p14="http://schemas.microsoft.com/office/powerpoint/2010/main" val="1589223916"/>
+        <p14:creationId xmlns:p14="http://schemas.microsoft.com/office/powerpoint/2010/main" val="390038626"/>
       </p:ext>
     </p:extLst>
   </p:cSld>
@@ -5015,7 +4757,7 @@
           <p:cNvPr id="3" name="Picture 2">
             <a:extLst>
               <a:ext uri="{FF2B5EF4-FFF2-40B4-BE49-F238E27FC236}">
-                <a16:creationId xmlns:a16="http://schemas.microsoft.com/office/drawing/2014/main" id="{3B61B9FD-6D8D-49D3-BD83-7AF5A82E95CB}"/>
+                <a16:creationId xmlns:a16="http://schemas.microsoft.com/office/drawing/2014/main" id="{1753DD0C-4D8A-4609-82DD-D4A9A749D7D6}"/>
               </a:ext>
             </a:extLst>
           </p:cNvPr>
@@ -5032,8 +4774,8 @@
         </p:blipFill>
         <p:spPr>
           <a:xfrm>
-            <a:off x="0" y="553109"/>
-            <a:ext cx="12192000" cy="5751781"/>
+            <a:off x="0" y="397860"/>
+            <a:ext cx="12192000" cy="6062279"/>
           </a:xfrm>
           <a:prstGeom prst="rect">
             <a:avLst/>
@@ -5043,7 +4785,7 @@
     </p:spTree>
     <p:extLst>
       <p:ext uri="{BB962C8B-B14F-4D97-AF65-F5344CB8AC3E}">
-        <p14:creationId xmlns:p14="http://schemas.microsoft.com/office/powerpoint/2010/main" val="331285430"/>
+        <p14:creationId xmlns:p14="http://schemas.microsoft.com/office/powerpoint/2010/main" val="2411537498"/>
       </p:ext>
     </p:extLst>
   </p:cSld>
@@ -5120,10 +4862,10 @@
       </p:sp>
       <p:pic>
         <p:nvPicPr>
-          <p:cNvPr id="7" name="Picture 6">
-            <a:extLst>
-              <a:ext uri="{FF2B5EF4-FFF2-40B4-BE49-F238E27FC236}">
-                <a16:creationId xmlns:a16="http://schemas.microsoft.com/office/drawing/2014/main" id="{2BA118C6-5092-4490-9362-2FEF05581CFF}"/>
+          <p:cNvPr id="4" name="Picture 3">
+            <a:extLst>
+              <a:ext uri="{FF2B5EF4-FFF2-40B4-BE49-F238E27FC236}">
+                <a16:creationId xmlns:a16="http://schemas.microsoft.com/office/drawing/2014/main" id="{AE075F62-120F-43E6-B4B4-53EF41304422}"/>
               </a:ext>
             </a:extLst>
           </p:cNvPr>
@@ -5140,8 +4882,8 @@
         </p:blipFill>
         <p:spPr>
           <a:xfrm>
-            <a:off x="0" y="438370"/>
-            <a:ext cx="12192000" cy="5981260"/>
+            <a:off x="0" y="717849"/>
+            <a:ext cx="12192000" cy="5936652"/>
           </a:xfrm>
           <a:prstGeom prst="rect">
             <a:avLst/>
@@ -5151,7 +4893,7 @@
     </p:spTree>
     <p:extLst>
       <p:ext uri="{BB962C8B-B14F-4D97-AF65-F5344CB8AC3E}">
-        <p14:creationId xmlns:p14="http://schemas.microsoft.com/office/powerpoint/2010/main" val="390038626"/>
+        <p14:creationId xmlns:p14="http://schemas.microsoft.com/office/powerpoint/2010/main" val="140103965"/>
       </p:ext>
     </p:extLst>
   </p:cSld>
@@ -5244,60 +4986,12 @@
           <a:chExt cx="0" cy="0"/>
         </a:xfrm>
       </p:grpSpPr>
-      <p:sp>
-        <p:nvSpPr>
-          <p:cNvPr id="6" name="TextBox 5">
-            <a:extLst>
-              <a:ext uri="{FF2B5EF4-FFF2-40B4-BE49-F238E27FC236}">
-                <a16:creationId xmlns:a16="http://schemas.microsoft.com/office/drawing/2014/main" id="{47A5A813-9D57-430D-8495-F1C1E53801D9}"/>
-              </a:ext>
-            </a:extLst>
-          </p:cNvPr>
-          <p:cNvSpPr txBox="1"/>
-          <p:nvPr/>
-        </p:nvSpPr>
-        <p:spPr>
-          <a:xfrm>
-            <a:off x="0" y="0"/>
-            <a:ext cx="12192000" cy="307777"/>
-          </a:xfrm>
-          <a:prstGeom prst="rect">
-            <a:avLst/>
-          </a:prstGeom>
-          <a:solidFill>
-            <a:schemeClr val="tx1"/>
-          </a:solidFill>
-        </p:spPr>
-        <p:txBody>
-          <a:bodyPr wrap="square">
-            <a:spAutoFit/>
-          </a:bodyPr>
-          <a:lstStyle/>
-          <a:p>
-            <a:r>
-              <a:rPr lang="en-US" sz="1400" b="1" i="0" dirty="0">
-                <a:solidFill>
-                  <a:schemeClr val="bg1"/>
-                </a:solidFill>
-                <a:effectLst/>
-                <a:latin typeface="-apple-system"/>
-              </a:rPr>
-              <a:t>Working with the Manifest in WKC</a:t>
-            </a:r>
-            <a:endParaRPr lang="en-US" sz="1400" dirty="0">
-              <a:solidFill>
-                <a:schemeClr val="bg1"/>
-              </a:solidFill>
-            </a:endParaRPr>
-          </a:p>
-        </p:txBody>
-      </p:sp>
       <p:pic>
         <p:nvPicPr>
           <p:cNvPr id="3" name="Picture 2">
             <a:extLst>
               <a:ext uri="{FF2B5EF4-FFF2-40B4-BE49-F238E27FC236}">
-                <a16:creationId xmlns:a16="http://schemas.microsoft.com/office/drawing/2014/main" id="{1753DD0C-4D8A-4609-82DD-D4A9A749D7D6}"/>
+                <a16:creationId xmlns:a16="http://schemas.microsoft.com/office/drawing/2014/main" id="{CE90F8E8-F429-49C6-A050-39C99471E1E7}"/>
               </a:ext>
             </a:extLst>
           </p:cNvPr>
@@ -5314,18 +5008,66 @@
         </p:blipFill>
         <p:spPr>
           <a:xfrm>
-            <a:off x="0" y="397860"/>
-            <a:ext cx="12192000" cy="6062279"/>
+            <a:off x="0" y="556353"/>
+            <a:ext cx="12192000" cy="5745293"/>
           </a:xfrm>
           <a:prstGeom prst="rect">
             <a:avLst/>
           </a:prstGeom>
         </p:spPr>
       </p:pic>
+      <p:sp>
+        <p:nvSpPr>
+          <p:cNvPr id="6" name="TextBox 5">
+            <a:extLst>
+              <a:ext uri="{FF2B5EF4-FFF2-40B4-BE49-F238E27FC236}">
+                <a16:creationId xmlns:a16="http://schemas.microsoft.com/office/drawing/2014/main" id="{B09654E1-685F-4F56-A039-66B83E45FA68}"/>
+              </a:ext>
+            </a:extLst>
+          </p:cNvPr>
+          <p:cNvSpPr txBox="1"/>
+          <p:nvPr/>
+        </p:nvSpPr>
+        <p:spPr>
+          <a:xfrm>
+            <a:off x="0" y="0"/>
+            <a:ext cx="12192000" cy="307777"/>
+          </a:xfrm>
+          <a:prstGeom prst="rect">
+            <a:avLst/>
+          </a:prstGeom>
+          <a:solidFill>
+            <a:schemeClr val="tx1"/>
+          </a:solidFill>
+        </p:spPr>
+        <p:txBody>
+          <a:bodyPr wrap="square">
+            <a:spAutoFit/>
+          </a:bodyPr>
+          <a:lstStyle/>
+          <a:p>
+            <a:r>
+              <a:rPr lang="en-US" sz="1400" b="1" i="0" dirty="0">
+                <a:solidFill>
+                  <a:schemeClr val="bg1"/>
+                </a:solidFill>
+                <a:effectLst/>
+                <a:latin typeface="-apple-system"/>
+              </a:rPr>
+              <a:t>Working with the Manifest</a:t>
+            </a:r>
+            <a:endParaRPr lang="en-US" sz="1400" dirty="0">
+              <a:solidFill>
+                <a:schemeClr val="bg1"/>
+              </a:solidFill>
+            </a:endParaRPr>
+          </a:p>
+        </p:txBody>
+      </p:sp>
     </p:spTree>
     <p:extLst>
       <p:ext uri="{BB962C8B-B14F-4D97-AF65-F5344CB8AC3E}">
-        <p14:creationId xmlns:p14="http://schemas.microsoft.com/office/powerpoint/2010/main" val="2411537498"/>
+        <p14:creationId xmlns:p14="http://schemas.microsoft.com/office/powerpoint/2010/main" val="2122033167"/>
       </p:ext>
     </p:extLst>
   </p:cSld>
@@ -5352,60 +5094,12 @@
           <a:chExt cx="0" cy="0"/>
         </a:xfrm>
       </p:grpSpPr>
-      <p:sp>
-        <p:nvSpPr>
-          <p:cNvPr id="6" name="TextBox 5">
-            <a:extLst>
-              <a:ext uri="{FF2B5EF4-FFF2-40B4-BE49-F238E27FC236}">
-                <a16:creationId xmlns:a16="http://schemas.microsoft.com/office/drawing/2014/main" id="{47A5A813-9D57-430D-8495-F1C1E53801D9}"/>
-              </a:ext>
-            </a:extLst>
-          </p:cNvPr>
-          <p:cNvSpPr txBox="1"/>
-          <p:nvPr/>
-        </p:nvSpPr>
-        <p:spPr>
-          <a:xfrm>
-            <a:off x="0" y="0"/>
-            <a:ext cx="12192000" cy="307777"/>
-          </a:xfrm>
-          <a:prstGeom prst="rect">
-            <a:avLst/>
-          </a:prstGeom>
-          <a:solidFill>
-            <a:schemeClr val="tx1"/>
-          </a:solidFill>
-        </p:spPr>
-        <p:txBody>
-          <a:bodyPr wrap="square">
-            <a:spAutoFit/>
-          </a:bodyPr>
-          <a:lstStyle/>
-          <a:p>
-            <a:r>
-              <a:rPr lang="en-US" sz="1400" b="1" i="0" dirty="0">
-                <a:solidFill>
-                  <a:schemeClr val="bg1"/>
-                </a:solidFill>
-                <a:effectLst/>
-                <a:latin typeface="-apple-system"/>
-              </a:rPr>
-              <a:t>Working with the Manifest in WKC</a:t>
-            </a:r>
-            <a:endParaRPr lang="en-US" sz="1400" dirty="0">
-              <a:solidFill>
-                <a:schemeClr val="bg1"/>
-              </a:solidFill>
-            </a:endParaRPr>
-          </a:p>
-        </p:txBody>
-      </p:sp>
       <p:pic>
         <p:nvPicPr>
-          <p:cNvPr id="4" name="Picture 3">
-            <a:extLst>
-              <a:ext uri="{FF2B5EF4-FFF2-40B4-BE49-F238E27FC236}">
-                <a16:creationId xmlns:a16="http://schemas.microsoft.com/office/drawing/2014/main" id="{AE075F62-120F-43E6-B4B4-53EF41304422}"/>
+          <p:cNvPr id="3" name="Picture 2">
+            <a:extLst>
+              <a:ext uri="{FF2B5EF4-FFF2-40B4-BE49-F238E27FC236}">
+                <a16:creationId xmlns:a16="http://schemas.microsoft.com/office/drawing/2014/main" id="{028B6A09-355B-466E-ABA8-BB97984F352E}"/>
               </a:ext>
             </a:extLst>
           </p:cNvPr>
@@ -5422,18 +5116,118 @@
         </p:blipFill>
         <p:spPr>
           <a:xfrm>
-            <a:off x="0" y="717849"/>
-            <a:ext cx="12192000" cy="5936652"/>
+            <a:off x="0" y="454712"/>
+            <a:ext cx="12192000" cy="5948576"/>
           </a:xfrm>
           <a:prstGeom prst="rect">
             <a:avLst/>
           </a:prstGeom>
         </p:spPr>
       </p:pic>
+      <p:sp>
+        <p:nvSpPr>
+          <p:cNvPr id="6" name="TextBox 5">
+            <a:extLst>
+              <a:ext uri="{FF2B5EF4-FFF2-40B4-BE49-F238E27FC236}">
+                <a16:creationId xmlns:a16="http://schemas.microsoft.com/office/drawing/2014/main" id="{EC8811C5-6C69-41DB-B7C9-01B22879FB86}"/>
+              </a:ext>
+            </a:extLst>
+          </p:cNvPr>
+          <p:cNvSpPr txBox="1"/>
+          <p:nvPr/>
+        </p:nvSpPr>
+        <p:spPr>
+          <a:xfrm>
+            <a:off x="0" y="0"/>
+            <a:ext cx="12192000" cy="307777"/>
+          </a:xfrm>
+          <a:prstGeom prst="rect">
+            <a:avLst/>
+          </a:prstGeom>
+          <a:solidFill>
+            <a:schemeClr val="tx1"/>
+          </a:solidFill>
+        </p:spPr>
+        <p:txBody>
+          <a:bodyPr wrap="square">
+            <a:spAutoFit/>
+          </a:bodyPr>
+          <a:lstStyle/>
+          <a:p>
+            <a:r>
+              <a:rPr lang="en-US" sz="1400" b="1" i="0" dirty="0">
+                <a:solidFill>
+                  <a:schemeClr val="bg1"/>
+                </a:solidFill>
+                <a:effectLst/>
+                <a:latin typeface="-apple-system"/>
+              </a:rPr>
+              <a:t>Add Manifest to Project “IBM-UDF-Testing”</a:t>
+            </a:r>
+            <a:endParaRPr lang="en-US" sz="1400" dirty="0">
+              <a:solidFill>
+                <a:schemeClr val="bg1"/>
+              </a:solidFill>
+            </a:endParaRPr>
+          </a:p>
+        </p:txBody>
+      </p:sp>
+      <p:sp>
+        <p:nvSpPr>
+          <p:cNvPr id="7" name="Arrow: Right 6">
+            <a:extLst>
+              <a:ext uri="{FF2B5EF4-FFF2-40B4-BE49-F238E27FC236}">
+                <a16:creationId xmlns:a16="http://schemas.microsoft.com/office/drawing/2014/main" id="{CC85BEC6-FD6F-4BA1-AFE2-89AB886B3934}"/>
+              </a:ext>
+            </a:extLst>
+          </p:cNvPr>
+          <p:cNvSpPr/>
+          <p:nvPr/>
+        </p:nvSpPr>
+        <p:spPr>
+          <a:xfrm rot="10800000">
+            <a:off x="4465814" y="2381250"/>
+            <a:ext cx="374073" cy="290946"/>
+          </a:xfrm>
+          <a:prstGeom prst="rightArrow">
+            <a:avLst/>
+          </a:prstGeom>
+          <a:solidFill>
+            <a:srgbClr val="FF0000"/>
+          </a:solidFill>
+          <a:ln>
+            <a:noFill/>
+          </a:ln>
+        </p:spPr>
+        <p:style>
+          <a:lnRef idx="2">
+            <a:schemeClr val="accent1">
+              <a:shade val="50000"/>
+            </a:schemeClr>
+          </a:lnRef>
+          <a:fillRef idx="1">
+            <a:schemeClr val="accent1"/>
+          </a:fillRef>
+          <a:effectRef idx="0">
+            <a:schemeClr val="accent1"/>
+          </a:effectRef>
+          <a:fontRef idx="minor">
+            <a:schemeClr val="lt1"/>
+          </a:fontRef>
+        </p:style>
+        <p:txBody>
+          <a:bodyPr rtlCol="0" anchor="ctr"/>
+          <a:lstStyle/>
+          <a:p>
+            <a:pPr algn="ctr"/>
+            <a:endParaRPr lang="en-US"/>
+          </a:p>
+        </p:txBody>
+      </p:sp>
     </p:spTree>
     <p:extLst>
       <p:ext uri="{BB962C8B-B14F-4D97-AF65-F5344CB8AC3E}">
-        <p14:creationId xmlns:p14="http://schemas.microsoft.com/office/powerpoint/2010/main" val="140103965"/>
+        <p14:creationId xmlns:p14="http://schemas.microsoft.com/office/powerpoint/2010/main" val="2582847608"/>
       </p:ext>
     </p:extLst>
   </p:cSld>
@@ -5462,10 +5256,10 @@
       </p:grpSpPr>
       <p:pic>
         <p:nvPicPr>
-          <p:cNvPr id="3" name="Picture 2">
-            <a:extLst>
-              <a:ext uri="{FF2B5EF4-FFF2-40B4-BE49-F238E27FC236}">
-                <a16:creationId xmlns:a16="http://schemas.microsoft.com/office/drawing/2014/main" id="{CE90F8E8-F429-49C6-A050-39C99471E1E7}"/>
+          <p:cNvPr id="4" name="Picture 3">
+            <a:extLst>
+              <a:ext uri="{FF2B5EF4-FFF2-40B4-BE49-F238E27FC236}">
+                <a16:creationId xmlns:a16="http://schemas.microsoft.com/office/drawing/2014/main" id="{99BF4716-1E4F-40D9-83FB-644A548BE3B3}"/>
               </a:ext>
             </a:extLst>
           </p:cNvPr>
@@ -5482,8 +5276,8 @@
         </p:blipFill>
         <p:spPr>
           <a:xfrm>
-            <a:off x="0" y="556353"/>
-            <a:ext cx="12192000" cy="5745293"/>
+            <a:off x="0" y="1281887"/>
+            <a:ext cx="12192000" cy="4294226"/>
           </a:xfrm>
           <a:prstGeom prst="rect">
             <a:avLst/>
@@ -5495,7 +5289,7 @@
           <p:cNvPr id="6" name="TextBox 5">
             <a:extLst>
               <a:ext uri="{FF2B5EF4-FFF2-40B4-BE49-F238E27FC236}">
-                <a16:creationId xmlns:a16="http://schemas.microsoft.com/office/drawing/2014/main" id="{B09654E1-685F-4F56-A039-66B83E45FA68}"/>
+                <a16:creationId xmlns:a16="http://schemas.microsoft.com/office/drawing/2014/main" id="{EC8811C5-6C69-41DB-B7C9-01B22879FB86}"/>
               </a:ext>
             </a:extLst>
           </p:cNvPr>
@@ -5528,7 +5322,7 @@
                 <a:effectLst/>
                 <a:latin typeface="-apple-system"/>
               </a:rPr>
-              <a:t>Working with the Manifest</a:t>
+              <a:t>Manifest available as Data Asset in Project (Watson Studio)</a:t>
             </a:r>
             <a:endParaRPr lang="en-US" sz="1400" dirty="0">
               <a:solidFill>
@@ -5538,10 +5332,62 @@
           </a:p>
         </p:txBody>
       </p:sp>
+      <p:sp>
+        <p:nvSpPr>
+          <p:cNvPr id="7" name="Arrow: Right 6">
+            <a:extLst>
+              <a:ext uri="{FF2B5EF4-FFF2-40B4-BE49-F238E27FC236}">
+                <a16:creationId xmlns:a16="http://schemas.microsoft.com/office/drawing/2014/main" id="{ABD07B8B-8925-4199-BF36-A997009A94CB}"/>
+              </a:ext>
+            </a:extLst>
+          </p:cNvPr>
+          <p:cNvSpPr/>
+          <p:nvPr/>
+        </p:nvSpPr>
+        <p:spPr>
+          <a:xfrm>
+            <a:off x="131939" y="4276725"/>
+            <a:ext cx="374073" cy="290946"/>
+          </a:xfrm>
+          <a:prstGeom prst="rightArrow">
+            <a:avLst/>
+          </a:prstGeom>
+          <a:solidFill>
+            <a:srgbClr val="FF0000"/>
+          </a:solidFill>
+          <a:ln>
+            <a:noFill/>
+          </a:ln>
+        </p:spPr>
+        <p:style>
+          <a:lnRef idx="2">
+            <a:schemeClr val="accent1">
+              <a:shade val="50000"/>
+            </a:schemeClr>
+          </a:lnRef>
+          <a:fillRef idx="1">
+            <a:schemeClr val="accent1"/>
+          </a:fillRef>
+          <a:effectRef idx="0">
+            <a:schemeClr val="accent1"/>
+          </a:effectRef>
+          <a:fontRef idx="minor">
+            <a:schemeClr val="lt1"/>
+          </a:fontRef>
+        </p:style>
+        <p:txBody>
+          <a:bodyPr rtlCol="0" anchor="ctr"/>
+          <a:lstStyle/>
+          <a:p>
+            <a:pPr algn="ctr"/>
+            <a:endParaRPr lang="en-US"/>
+          </a:p>
+        </p:txBody>
+      </p:sp>
     </p:spTree>
     <p:extLst>
       <p:ext uri="{BB962C8B-B14F-4D97-AF65-F5344CB8AC3E}">
-        <p14:creationId xmlns:p14="http://schemas.microsoft.com/office/powerpoint/2010/main" val="2122033167"/>
+        <p14:creationId xmlns:p14="http://schemas.microsoft.com/office/powerpoint/2010/main" val="3141512382"/>
       </p:ext>
     </p:extLst>
   </p:cSld>
@@ -5573,7 +5419,7 @@
           <p:cNvPr id="3" name="Picture 2">
             <a:extLst>
               <a:ext uri="{FF2B5EF4-FFF2-40B4-BE49-F238E27FC236}">
-                <a16:creationId xmlns:a16="http://schemas.microsoft.com/office/drawing/2014/main" id="{028B6A09-355B-466E-ABA8-BB97984F352E}"/>
+                <a16:creationId xmlns:a16="http://schemas.microsoft.com/office/drawing/2014/main" id="{119372A2-E6DB-4A1A-BC49-A5E074D17665}"/>
               </a:ext>
             </a:extLst>
           </p:cNvPr>
@@ -5590,8 +5436,8 @@
         </p:blipFill>
         <p:spPr>
           <a:xfrm>
-            <a:off x="0" y="454712"/>
-            <a:ext cx="12192000" cy="5948576"/>
+            <a:off x="0" y="451281"/>
+            <a:ext cx="12192000" cy="5955437"/>
           </a:xfrm>
           <a:prstGeom prst="rect">
             <a:avLst/>
@@ -5636,7 +5482,7 @@
                 <a:effectLst/>
                 <a:latin typeface="-apple-system"/>
               </a:rPr>
-              <a:t>Add Manifest to Project “IBM-UDF-Testing”</a:t>
+              <a:t>Working with the Manifest: Refine the Manifest in Data Refinery</a:t>
             </a:r>
             <a:endParaRPr lang="en-US" sz="1400" dirty="0">
               <a:solidFill>
@@ -5651,7 +5497,7 @@
           <p:cNvPr id="7" name="Arrow: Right 6">
             <a:extLst>
               <a:ext uri="{FF2B5EF4-FFF2-40B4-BE49-F238E27FC236}">
-                <a16:creationId xmlns:a16="http://schemas.microsoft.com/office/drawing/2014/main" id="{CC85BEC6-FD6F-4BA1-AFE2-89AB886B3934}"/>
+                <a16:creationId xmlns:a16="http://schemas.microsoft.com/office/drawing/2014/main" id="{ABD07B8B-8925-4199-BF36-A997009A94CB}"/>
               </a:ext>
             </a:extLst>
           </p:cNvPr>
@@ -5659,8 +5505,8 @@
           <p:nvPr/>
         </p:nvSpPr>
         <p:spPr>
-          <a:xfrm rot="10800000">
-            <a:off x="4465814" y="2381250"/>
+          <a:xfrm>
+            <a:off x="10676114" y="1724025"/>
             <a:ext cx="374073" cy="290946"/>
           </a:xfrm>
           <a:prstGeom prst="rightArrow">
@@ -5701,7 +5547,7 @@
     </p:spTree>
     <p:extLst>
       <p:ext uri="{BB962C8B-B14F-4D97-AF65-F5344CB8AC3E}">
-        <p14:creationId xmlns:p14="http://schemas.microsoft.com/office/powerpoint/2010/main" val="2582847608"/>
+        <p14:creationId xmlns:p14="http://schemas.microsoft.com/office/powerpoint/2010/main" val="2320956658"/>
       </p:ext>
     </p:extLst>
   </p:cSld>
@@ -5728,36 +5574,6 @@
           <a:chExt cx="0" cy="0"/>
         </a:xfrm>
       </p:grpSpPr>
-      <p:pic>
-        <p:nvPicPr>
-          <p:cNvPr id="4" name="Picture 3">
-            <a:extLst>
-              <a:ext uri="{FF2B5EF4-FFF2-40B4-BE49-F238E27FC236}">
-                <a16:creationId xmlns:a16="http://schemas.microsoft.com/office/drawing/2014/main" id="{99BF4716-1E4F-40D9-83FB-644A548BE3B3}"/>
-              </a:ext>
-            </a:extLst>
-          </p:cNvPr>
-          <p:cNvPicPr>
-            <a:picLocks noChangeAspect="1"/>
-          </p:cNvPicPr>
-          <p:nvPr/>
-        </p:nvPicPr>
-        <p:blipFill>
-          <a:blip r:embed="rId2"/>
-          <a:stretch>
-            <a:fillRect/>
-          </a:stretch>
-        </p:blipFill>
-        <p:spPr>
-          <a:xfrm>
-            <a:off x="0" y="1281887"/>
-            <a:ext cx="12192000" cy="4294226"/>
-          </a:xfrm>
-          <a:prstGeom prst="rect">
-            <a:avLst/>
-          </a:prstGeom>
-        </p:spPr>
-      </p:pic>
       <p:sp>
         <p:nvSpPr>
           <p:cNvPr id="6" name="TextBox 5">
@@ -5796,7 +5612,16 @@
                 <a:effectLst/>
                 <a:latin typeface="-apple-system"/>
               </a:rPr>
-              <a:t>Manifest available as Data Asset in Project (Watson Studio)</a:t>
+              <a:t>Working with the Manifest: Refine the Manifest in Data Refinery – Visualizatio</a:t>
+            </a:r>
+            <a:r>
+              <a:rPr lang="en-US" sz="1400" b="1" dirty="0">
+                <a:solidFill>
+                  <a:schemeClr val="bg1"/>
+                </a:solidFill>
+                <a:latin typeface="-apple-system"/>
+              </a:rPr>
+              <a:t>n</a:t>
             </a:r>
             <a:endParaRPr lang="en-US" sz="1400" dirty="0">
               <a:solidFill>
@@ -5820,7 +5645,7 @@
         </p:nvSpPr>
         <p:spPr>
           <a:xfrm>
-            <a:off x="131939" y="4276725"/>
+            <a:off x="10904714" y="1933575"/>
             <a:ext cx="374073" cy="290946"/>
           </a:xfrm>
           <a:prstGeom prst="rightArrow">
@@ -5858,10 +5683,40 @@
           </a:p>
         </p:txBody>
       </p:sp>
+      <p:pic>
+        <p:nvPicPr>
+          <p:cNvPr id="3" name="Picture 2">
+            <a:extLst>
+              <a:ext uri="{FF2B5EF4-FFF2-40B4-BE49-F238E27FC236}">
+                <a16:creationId xmlns:a16="http://schemas.microsoft.com/office/drawing/2014/main" id="{69DC93BD-4A93-4A2A-A4E2-2C6BF5870E24}"/>
+              </a:ext>
+            </a:extLst>
+          </p:cNvPr>
+          <p:cNvPicPr>
+            <a:picLocks noChangeAspect="1"/>
+          </p:cNvPicPr>
+          <p:nvPr/>
+        </p:nvPicPr>
+        <p:blipFill>
+          <a:blip r:embed="rId2"/>
+          <a:stretch>
+            <a:fillRect/>
+          </a:stretch>
+        </p:blipFill>
+        <p:spPr>
+          <a:xfrm>
+            <a:off x="390525" y="1188026"/>
+            <a:ext cx="11410950" cy="5086304"/>
+          </a:xfrm>
+          <a:prstGeom prst="rect">
+            <a:avLst/>
+          </a:prstGeom>
+        </p:spPr>
+      </p:pic>
     </p:spTree>
     <p:extLst>
       <p:ext uri="{BB962C8B-B14F-4D97-AF65-F5344CB8AC3E}">
-        <p14:creationId xmlns:p14="http://schemas.microsoft.com/office/powerpoint/2010/main" val="3141512382"/>
+        <p14:creationId xmlns:p14="http://schemas.microsoft.com/office/powerpoint/2010/main" val="1871876885"/>
       </p:ext>
     </p:extLst>
   </p:cSld>
@@ -5888,36 +5743,6 @@
           <a:chExt cx="0" cy="0"/>
         </a:xfrm>
       </p:grpSpPr>
-      <p:pic>
-        <p:nvPicPr>
-          <p:cNvPr id="3" name="Picture 2">
-            <a:extLst>
-              <a:ext uri="{FF2B5EF4-FFF2-40B4-BE49-F238E27FC236}">
-                <a16:creationId xmlns:a16="http://schemas.microsoft.com/office/drawing/2014/main" id="{119372A2-E6DB-4A1A-BC49-A5E074D17665}"/>
-              </a:ext>
-            </a:extLst>
-          </p:cNvPr>
-          <p:cNvPicPr>
-            <a:picLocks noChangeAspect="1"/>
-          </p:cNvPicPr>
-          <p:nvPr/>
-        </p:nvPicPr>
-        <p:blipFill>
-          <a:blip r:embed="rId2"/>
-          <a:stretch>
-            <a:fillRect/>
-          </a:stretch>
-        </p:blipFill>
-        <p:spPr>
-          <a:xfrm>
-            <a:off x="0" y="451281"/>
-            <a:ext cx="12192000" cy="5955437"/>
-          </a:xfrm>
-          <a:prstGeom prst="rect">
-            <a:avLst/>
-          </a:prstGeom>
-        </p:spPr>
-      </p:pic>
       <p:sp>
         <p:nvSpPr>
           <p:cNvPr id="6" name="TextBox 5">
@@ -5956,7 +5781,16 @@
                 <a:effectLst/>
                 <a:latin typeface="-apple-system"/>
               </a:rPr>
-              <a:t>Working with the Manifest: Refine the Manifest in Data Refinery</a:t>
+              <a:t>Working with the Manifest: Refine the Manifest in Data Refinery – Visualizatio</a:t>
+            </a:r>
+            <a:r>
+              <a:rPr lang="en-US" sz="1400" b="1" dirty="0">
+                <a:solidFill>
+                  <a:schemeClr val="bg1"/>
+                </a:solidFill>
+                <a:latin typeface="-apple-system"/>
+              </a:rPr>
+              <a:t>n</a:t>
             </a:r>
             <a:endParaRPr lang="en-US" sz="1400" dirty="0">
               <a:solidFill>
@@ -5980,7 +5814,7 @@
         </p:nvSpPr>
         <p:spPr>
           <a:xfrm>
-            <a:off x="10676114" y="1724025"/>
+            <a:off x="10904714" y="1933575"/>
             <a:ext cx="374073" cy="290946"/>
           </a:xfrm>
           <a:prstGeom prst="rightArrow">
@@ -6018,10 +5852,40 @@
           </a:p>
         </p:txBody>
       </p:sp>
+      <p:pic>
+        <p:nvPicPr>
+          <p:cNvPr id="4" name="Picture 3">
+            <a:extLst>
+              <a:ext uri="{FF2B5EF4-FFF2-40B4-BE49-F238E27FC236}">
+                <a16:creationId xmlns:a16="http://schemas.microsoft.com/office/drawing/2014/main" id="{F2C01929-827C-4EDB-8BFA-D5B9A2518F5A}"/>
+              </a:ext>
+            </a:extLst>
+          </p:cNvPr>
+          <p:cNvPicPr>
+            <a:picLocks noChangeAspect="1"/>
+          </p:cNvPicPr>
+          <p:nvPr/>
+        </p:nvPicPr>
+        <p:blipFill>
+          <a:blip r:embed="rId2"/>
+          <a:stretch>
+            <a:fillRect/>
+          </a:stretch>
+        </p:blipFill>
+        <p:spPr>
+          <a:xfrm>
+            <a:off x="332781" y="463618"/>
+            <a:ext cx="11278787" cy="6273663"/>
+          </a:xfrm>
+          <a:prstGeom prst="rect">
+            <a:avLst/>
+          </a:prstGeom>
+        </p:spPr>
+      </p:pic>
     </p:spTree>
     <p:extLst>
       <p:ext uri="{BB962C8B-B14F-4D97-AF65-F5344CB8AC3E}">
-        <p14:creationId xmlns:p14="http://schemas.microsoft.com/office/powerpoint/2010/main" val="2320956658"/>
+        <p14:creationId xmlns:p14="http://schemas.microsoft.com/office/powerpoint/2010/main" val="625157052"/>
       </p:ext>
     </p:extLst>
   </p:cSld>
@@ -6162,344 +6026,6 @@
           <p:cNvPr id="3" name="Picture 2">
             <a:extLst>
               <a:ext uri="{FF2B5EF4-FFF2-40B4-BE49-F238E27FC236}">
-                <a16:creationId xmlns:a16="http://schemas.microsoft.com/office/drawing/2014/main" id="{69DC93BD-4A93-4A2A-A4E2-2C6BF5870E24}"/>
-              </a:ext>
-            </a:extLst>
-          </p:cNvPr>
-          <p:cNvPicPr>
-            <a:picLocks noChangeAspect="1"/>
-          </p:cNvPicPr>
-          <p:nvPr/>
-        </p:nvPicPr>
-        <p:blipFill>
-          <a:blip r:embed="rId2"/>
-          <a:stretch>
-            <a:fillRect/>
-          </a:stretch>
-        </p:blipFill>
-        <p:spPr>
-          <a:xfrm>
-            <a:off x="390525" y="1188026"/>
-            <a:ext cx="11410950" cy="5086304"/>
-          </a:xfrm>
-          <a:prstGeom prst="rect">
-            <a:avLst/>
-          </a:prstGeom>
-        </p:spPr>
-      </p:pic>
-    </p:spTree>
-    <p:extLst>
-      <p:ext uri="{BB962C8B-B14F-4D97-AF65-F5344CB8AC3E}">
-        <p14:creationId xmlns:p14="http://schemas.microsoft.com/office/powerpoint/2010/main" val="1871876885"/>
-      </p:ext>
-    </p:extLst>
-  </p:cSld>
-  <p:clrMapOvr>
-    <a:masterClrMapping/>
-  </p:clrMapOvr>
-</p:sld>
-</file>
-
-<file path=ppt/slides/slide27.xml><?xml version="1.0" encoding="utf-8"?>
-<p:sld xmlns:a="http://schemas.openxmlformats.org/drawingml/2006/main" xmlns:r="http://schemas.openxmlformats.org/officeDocument/2006/relationships" xmlns:p="http://schemas.openxmlformats.org/presentationml/2006/main">
-  <p:cSld>
-    <p:spTree>
-      <p:nvGrpSpPr>
-        <p:cNvPr id="1" name=""/>
-        <p:cNvGrpSpPr/>
-        <p:nvPr/>
-      </p:nvGrpSpPr>
-      <p:grpSpPr>
-        <a:xfrm>
-          <a:off x="0" y="0"/>
-          <a:ext cx="0" cy="0"/>
-          <a:chOff x="0" y="0"/>
-          <a:chExt cx="0" cy="0"/>
-        </a:xfrm>
-      </p:grpSpPr>
-      <p:sp>
-        <p:nvSpPr>
-          <p:cNvPr id="6" name="TextBox 5">
-            <a:extLst>
-              <a:ext uri="{FF2B5EF4-FFF2-40B4-BE49-F238E27FC236}">
-                <a16:creationId xmlns:a16="http://schemas.microsoft.com/office/drawing/2014/main" id="{EC8811C5-6C69-41DB-B7C9-01B22879FB86}"/>
-              </a:ext>
-            </a:extLst>
-          </p:cNvPr>
-          <p:cNvSpPr txBox="1"/>
-          <p:nvPr/>
-        </p:nvSpPr>
-        <p:spPr>
-          <a:xfrm>
-            <a:off x="0" y="0"/>
-            <a:ext cx="12192000" cy="307777"/>
-          </a:xfrm>
-          <a:prstGeom prst="rect">
-            <a:avLst/>
-          </a:prstGeom>
-          <a:solidFill>
-            <a:schemeClr val="tx1"/>
-          </a:solidFill>
-        </p:spPr>
-        <p:txBody>
-          <a:bodyPr wrap="square">
-            <a:spAutoFit/>
-          </a:bodyPr>
-          <a:lstStyle/>
-          <a:p>
-            <a:r>
-              <a:rPr lang="en-US" sz="1400" b="1" i="0" dirty="0">
-                <a:solidFill>
-                  <a:schemeClr val="bg1"/>
-                </a:solidFill>
-                <a:effectLst/>
-                <a:latin typeface="-apple-system"/>
-              </a:rPr>
-              <a:t>Working with the Manifest: Refine the Manifest in Data Refinery – Visualizatio</a:t>
-            </a:r>
-            <a:r>
-              <a:rPr lang="en-US" sz="1400" b="1" dirty="0">
-                <a:solidFill>
-                  <a:schemeClr val="bg1"/>
-                </a:solidFill>
-                <a:latin typeface="-apple-system"/>
-              </a:rPr>
-              <a:t>n</a:t>
-            </a:r>
-            <a:endParaRPr lang="en-US" sz="1400" dirty="0">
-              <a:solidFill>
-                <a:schemeClr val="bg1"/>
-              </a:solidFill>
-            </a:endParaRPr>
-          </a:p>
-        </p:txBody>
-      </p:sp>
-      <p:sp>
-        <p:nvSpPr>
-          <p:cNvPr id="7" name="Arrow: Right 6">
-            <a:extLst>
-              <a:ext uri="{FF2B5EF4-FFF2-40B4-BE49-F238E27FC236}">
-                <a16:creationId xmlns:a16="http://schemas.microsoft.com/office/drawing/2014/main" id="{ABD07B8B-8925-4199-BF36-A997009A94CB}"/>
-              </a:ext>
-            </a:extLst>
-          </p:cNvPr>
-          <p:cNvSpPr/>
-          <p:nvPr/>
-        </p:nvSpPr>
-        <p:spPr>
-          <a:xfrm>
-            <a:off x="10904714" y="1933575"/>
-            <a:ext cx="374073" cy="290946"/>
-          </a:xfrm>
-          <a:prstGeom prst="rightArrow">
-            <a:avLst/>
-          </a:prstGeom>
-          <a:solidFill>
-            <a:srgbClr val="FF0000"/>
-          </a:solidFill>
-          <a:ln>
-            <a:noFill/>
-          </a:ln>
-        </p:spPr>
-        <p:style>
-          <a:lnRef idx="2">
-            <a:schemeClr val="accent1">
-              <a:shade val="50000"/>
-            </a:schemeClr>
-          </a:lnRef>
-          <a:fillRef idx="1">
-            <a:schemeClr val="accent1"/>
-          </a:fillRef>
-          <a:effectRef idx="0">
-            <a:schemeClr val="accent1"/>
-          </a:effectRef>
-          <a:fontRef idx="minor">
-            <a:schemeClr val="lt1"/>
-          </a:fontRef>
-        </p:style>
-        <p:txBody>
-          <a:bodyPr rtlCol="0" anchor="ctr"/>
-          <a:lstStyle/>
-          <a:p>
-            <a:pPr algn="ctr"/>
-            <a:endParaRPr lang="en-US"/>
-          </a:p>
-        </p:txBody>
-      </p:sp>
-      <p:pic>
-        <p:nvPicPr>
-          <p:cNvPr id="4" name="Picture 3">
-            <a:extLst>
-              <a:ext uri="{FF2B5EF4-FFF2-40B4-BE49-F238E27FC236}">
-                <a16:creationId xmlns:a16="http://schemas.microsoft.com/office/drawing/2014/main" id="{F2C01929-827C-4EDB-8BFA-D5B9A2518F5A}"/>
-              </a:ext>
-            </a:extLst>
-          </p:cNvPr>
-          <p:cNvPicPr>
-            <a:picLocks noChangeAspect="1"/>
-          </p:cNvPicPr>
-          <p:nvPr/>
-        </p:nvPicPr>
-        <p:blipFill>
-          <a:blip r:embed="rId2"/>
-          <a:stretch>
-            <a:fillRect/>
-          </a:stretch>
-        </p:blipFill>
-        <p:spPr>
-          <a:xfrm>
-            <a:off x="332781" y="463618"/>
-            <a:ext cx="11278787" cy="6273663"/>
-          </a:xfrm>
-          <a:prstGeom prst="rect">
-            <a:avLst/>
-          </a:prstGeom>
-        </p:spPr>
-      </p:pic>
-    </p:spTree>
-    <p:extLst>
-      <p:ext uri="{BB962C8B-B14F-4D97-AF65-F5344CB8AC3E}">
-        <p14:creationId xmlns:p14="http://schemas.microsoft.com/office/powerpoint/2010/main" val="625157052"/>
-      </p:ext>
-    </p:extLst>
-  </p:cSld>
-  <p:clrMapOvr>
-    <a:masterClrMapping/>
-  </p:clrMapOvr>
-</p:sld>
-</file>
-
-<file path=ppt/slides/slide28.xml><?xml version="1.0" encoding="utf-8"?>
-<p:sld xmlns:a="http://schemas.openxmlformats.org/drawingml/2006/main" xmlns:r="http://schemas.openxmlformats.org/officeDocument/2006/relationships" xmlns:p="http://schemas.openxmlformats.org/presentationml/2006/main">
-  <p:cSld>
-    <p:spTree>
-      <p:nvGrpSpPr>
-        <p:cNvPr id="1" name=""/>
-        <p:cNvGrpSpPr/>
-        <p:nvPr/>
-      </p:nvGrpSpPr>
-      <p:grpSpPr>
-        <a:xfrm>
-          <a:off x="0" y="0"/>
-          <a:ext cx="0" cy="0"/>
-          <a:chOff x="0" y="0"/>
-          <a:chExt cx="0" cy="0"/>
-        </a:xfrm>
-      </p:grpSpPr>
-      <p:sp>
-        <p:nvSpPr>
-          <p:cNvPr id="6" name="TextBox 5">
-            <a:extLst>
-              <a:ext uri="{FF2B5EF4-FFF2-40B4-BE49-F238E27FC236}">
-                <a16:creationId xmlns:a16="http://schemas.microsoft.com/office/drawing/2014/main" id="{EC8811C5-6C69-41DB-B7C9-01B22879FB86}"/>
-              </a:ext>
-            </a:extLst>
-          </p:cNvPr>
-          <p:cNvSpPr txBox="1"/>
-          <p:nvPr/>
-        </p:nvSpPr>
-        <p:spPr>
-          <a:xfrm>
-            <a:off x="0" y="0"/>
-            <a:ext cx="12192000" cy="307777"/>
-          </a:xfrm>
-          <a:prstGeom prst="rect">
-            <a:avLst/>
-          </a:prstGeom>
-          <a:solidFill>
-            <a:schemeClr val="tx1"/>
-          </a:solidFill>
-        </p:spPr>
-        <p:txBody>
-          <a:bodyPr wrap="square">
-            <a:spAutoFit/>
-          </a:bodyPr>
-          <a:lstStyle/>
-          <a:p>
-            <a:r>
-              <a:rPr lang="en-US" sz="1400" b="1" i="0" dirty="0">
-                <a:solidFill>
-                  <a:schemeClr val="bg1"/>
-                </a:solidFill>
-                <a:effectLst/>
-                <a:latin typeface="-apple-system"/>
-              </a:rPr>
-              <a:t>Working with the Manifest: Refine the Manifest in Data Refinery – Visualizatio</a:t>
-            </a:r>
-            <a:r>
-              <a:rPr lang="en-US" sz="1400" b="1" dirty="0">
-                <a:solidFill>
-                  <a:schemeClr val="bg1"/>
-                </a:solidFill>
-                <a:latin typeface="-apple-system"/>
-              </a:rPr>
-              <a:t>n</a:t>
-            </a:r>
-            <a:endParaRPr lang="en-US" sz="1400" dirty="0">
-              <a:solidFill>
-                <a:schemeClr val="bg1"/>
-              </a:solidFill>
-            </a:endParaRPr>
-          </a:p>
-        </p:txBody>
-      </p:sp>
-      <p:sp>
-        <p:nvSpPr>
-          <p:cNvPr id="7" name="Arrow: Right 6">
-            <a:extLst>
-              <a:ext uri="{FF2B5EF4-FFF2-40B4-BE49-F238E27FC236}">
-                <a16:creationId xmlns:a16="http://schemas.microsoft.com/office/drawing/2014/main" id="{ABD07B8B-8925-4199-BF36-A997009A94CB}"/>
-              </a:ext>
-            </a:extLst>
-          </p:cNvPr>
-          <p:cNvSpPr/>
-          <p:nvPr/>
-        </p:nvSpPr>
-        <p:spPr>
-          <a:xfrm>
-            <a:off x="10904714" y="1933575"/>
-            <a:ext cx="374073" cy="290946"/>
-          </a:xfrm>
-          <a:prstGeom prst="rightArrow">
-            <a:avLst/>
-          </a:prstGeom>
-          <a:solidFill>
-            <a:srgbClr val="FF0000"/>
-          </a:solidFill>
-          <a:ln>
-            <a:noFill/>
-          </a:ln>
-        </p:spPr>
-        <p:style>
-          <a:lnRef idx="2">
-            <a:schemeClr val="accent1">
-              <a:shade val="50000"/>
-            </a:schemeClr>
-          </a:lnRef>
-          <a:fillRef idx="1">
-            <a:schemeClr val="accent1"/>
-          </a:fillRef>
-          <a:effectRef idx="0">
-            <a:schemeClr val="accent1"/>
-          </a:effectRef>
-          <a:fontRef idx="minor">
-            <a:schemeClr val="lt1"/>
-          </a:fontRef>
-        </p:style>
-        <p:txBody>
-          <a:bodyPr rtlCol="0" anchor="ctr"/>
-          <a:lstStyle/>
-          <a:p>
-            <a:pPr algn="ctr"/>
-            <a:endParaRPr lang="en-US"/>
-          </a:p>
-        </p:txBody>
-      </p:sp>
-      <p:pic>
-        <p:nvPicPr>
-          <p:cNvPr id="3" name="Picture 2">
-            <a:extLst>
-              <a:ext uri="{FF2B5EF4-FFF2-40B4-BE49-F238E27FC236}">
                 <a16:creationId xmlns:a16="http://schemas.microsoft.com/office/drawing/2014/main" id="{F1CE28D2-5C16-49A8-8FAF-051239CD9934}"/>
               </a:ext>
             </a:extLst>
@@ -6538,7 +6064,7 @@
 </p:sld>
 </file>
 
-<file path=ppt/slides/slide29.xml><?xml version="1.0" encoding="utf-8"?>
+<file path=ppt/slides/slide27.xml><?xml version="1.0" encoding="utf-8"?>
 <p:sld xmlns:a="http://schemas.openxmlformats.org/drawingml/2006/main" xmlns:r="http://schemas.openxmlformats.org/officeDocument/2006/relationships" xmlns:p="http://schemas.openxmlformats.org/presentationml/2006/main">
   <p:cSld>
     <p:spTree>
@@ -6672,83 +6198,36 @@
           <a:chExt cx="0" cy="0"/>
         </a:xfrm>
       </p:grpSpPr>
-      <p:sp>
-        <p:nvSpPr>
-          <p:cNvPr id="7" name="TextBox 6">
-            <a:extLst>
-              <a:ext uri="{FF2B5EF4-FFF2-40B4-BE49-F238E27FC236}">
-                <a16:creationId xmlns:a16="http://schemas.microsoft.com/office/drawing/2014/main" id="{DC0BA69E-AEE8-408C-8616-7AE5D70F540C}"/>
-              </a:ext>
-            </a:extLst>
-          </p:cNvPr>
-          <p:cNvSpPr txBox="1"/>
+      <p:pic>
+        <p:nvPicPr>
+          <p:cNvPr id="3" name="Picture 2">
+            <a:extLst>
+              <a:ext uri="{FF2B5EF4-FFF2-40B4-BE49-F238E27FC236}">
+                <a16:creationId xmlns:a16="http://schemas.microsoft.com/office/drawing/2014/main" id="{E46DFA91-43E9-4AC9-985C-E612F25BC9B9}"/>
+              </a:ext>
+            </a:extLst>
+          </p:cNvPr>
+          <p:cNvPicPr>
+            <a:picLocks noChangeAspect="1"/>
+          </p:cNvPicPr>
           <p:nvPr/>
-        </p:nvSpPr>
-        <p:spPr>
-          <a:xfrm>
-            <a:off x="0" y="0"/>
-            <a:ext cx="12192000" cy="307777"/>
+        </p:nvPicPr>
+        <p:blipFill>
+          <a:blip r:embed="rId2"/>
+          <a:stretch>
+            <a:fillRect/>
+          </a:stretch>
+        </p:blipFill>
+        <p:spPr>
+          <a:xfrm>
+            <a:off x="0" y="1515558"/>
+            <a:ext cx="12192000" cy="3826883"/>
           </a:xfrm>
           <a:prstGeom prst="rect">
             <a:avLst/>
           </a:prstGeom>
-          <a:solidFill>
-            <a:schemeClr val="tx1"/>
-          </a:solidFill>
-        </p:spPr>
-        <p:txBody>
-          <a:bodyPr wrap="square">
-            <a:spAutoFit/>
-          </a:bodyPr>
-          <a:lstStyle/>
-          <a:p>
-            <a:r>
-              <a:rPr lang="en-US" sz="1400" b="1" i="0" dirty="0">
-                <a:solidFill>
-                  <a:schemeClr val="bg1"/>
-                </a:solidFill>
-                <a:effectLst/>
-                <a:latin typeface="-apple-system"/>
-              </a:rPr>
-              <a:t>Use Visual Query to Browse and Search for </a:t>
-            </a:r>
-            <a:r>
-              <a:rPr lang="en-US" sz="1400" b="1" dirty="0">
-                <a:solidFill>
-                  <a:schemeClr val="bg1"/>
-                </a:solidFill>
-                <a:latin typeface="-apple-system"/>
-              </a:rPr>
-              <a:t>Data with </a:t>
-            </a:r>
-            <a:r>
-              <a:rPr lang="en-US" sz="1400" b="1" i="0" dirty="0" err="1">
-                <a:solidFill>
-                  <a:schemeClr val="bg1"/>
-                </a:solidFill>
-                <a:effectLst/>
-                <a:latin typeface="-apple-system"/>
-              </a:rPr>
-              <a:t>ImageID</a:t>
-            </a:r>
-            <a:r>
-              <a:rPr lang="en-US" sz="1400" b="1" i="0" dirty="0">
-                <a:solidFill>
-                  <a:schemeClr val="bg1"/>
-                </a:solidFill>
-                <a:effectLst/>
-                <a:latin typeface="-apple-system"/>
-              </a:rPr>
-              <a:t>=T101389-10002</a:t>
-            </a:r>
-            <a:endParaRPr lang="en-US" sz="1400" dirty="0">
-              <a:solidFill>
-                <a:schemeClr val="bg1"/>
-              </a:solidFill>
-            </a:endParaRPr>
-          </a:p>
-        </p:txBody>
-      </p:sp>
+        </p:spPr>
+      </p:pic>
       <p:sp>
         <p:nvSpPr>
           <p:cNvPr id="6" name="Arrow: Right 5">
@@ -6763,7 +6242,7 @@
         </p:nvSpPr>
         <p:spPr>
           <a:xfrm>
-            <a:off x="771525" y="3086349"/>
+            <a:off x="8275261" y="2860105"/>
             <a:ext cx="374073" cy="290946"/>
           </a:xfrm>
           <a:prstGeom prst="rightArrow">
@@ -6801,36 +6280,6 @@
           </a:p>
         </p:txBody>
       </p:sp>
-      <p:pic>
-        <p:nvPicPr>
-          <p:cNvPr id="4" name="Picture 3">
-            <a:extLst>
-              <a:ext uri="{FF2B5EF4-FFF2-40B4-BE49-F238E27FC236}">
-                <a16:creationId xmlns:a16="http://schemas.microsoft.com/office/drawing/2014/main" id="{50E69684-393A-4F08-9A9A-FDA8CBDDB046}"/>
-              </a:ext>
-            </a:extLst>
-          </p:cNvPr>
-          <p:cNvPicPr>
-            <a:picLocks noChangeAspect="1"/>
-          </p:cNvPicPr>
-          <p:nvPr/>
-        </p:nvPicPr>
-        <p:blipFill>
-          <a:blip r:embed="rId2"/>
-          <a:stretch>
-            <a:fillRect/>
-          </a:stretch>
-        </p:blipFill>
-        <p:spPr>
-          <a:xfrm>
-            <a:off x="0" y="913867"/>
-            <a:ext cx="12192000" cy="5030266"/>
-          </a:xfrm>
-          <a:prstGeom prst="rect">
-            <a:avLst/>
-          </a:prstGeom>
-        </p:spPr>
-      </p:pic>
     </p:spTree>
     <p:extLst>
       <p:ext uri="{BB962C8B-B14F-4D97-AF65-F5344CB8AC3E}">
@@ -6861,89 +6310,12 @@
           <a:chExt cx="0" cy="0"/>
         </a:xfrm>
       </p:grpSpPr>
-      <p:sp>
-        <p:nvSpPr>
-          <p:cNvPr id="7" name="TextBox 6">
-            <a:extLst>
-              <a:ext uri="{FF2B5EF4-FFF2-40B4-BE49-F238E27FC236}">
-                <a16:creationId xmlns:a16="http://schemas.microsoft.com/office/drawing/2014/main" id="{DC0BA69E-AEE8-408C-8616-7AE5D70F540C}"/>
-              </a:ext>
-            </a:extLst>
-          </p:cNvPr>
-          <p:cNvSpPr txBox="1"/>
-          <p:nvPr/>
-        </p:nvSpPr>
-        <p:spPr>
-          <a:xfrm>
-            <a:off x="0" y="0"/>
-            <a:ext cx="12192000" cy="307777"/>
-          </a:xfrm>
-          <a:prstGeom prst="rect">
-            <a:avLst/>
-          </a:prstGeom>
-          <a:solidFill>
-            <a:schemeClr val="tx1"/>
-          </a:solidFill>
-        </p:spPr>
-        <p:txBody>
-          <a:bodyPr wrap="square">
-            <a:spAutoFit/>
-          </a:bodyPr>
-          <a:lstStyle/>
-          <a:p>
-            <a:r>
-              <a:rPr lang="en-US" sz="1400" b="1" i="0" dirty="0">
-                <a:solidFill>
-                  <a:schemeClr val="bg1"/>
-                </a:solidFill>
-                <a:effectLst/>
-                <a:latin typeface="-apple-system"/>
-              </a:rPr>
-              <a:t>Use Visual Query to Browse and Search for </a:t>
-            </a:r>
-            <a:r>
-              <a:rPr lang="en-US" sz="1400" b="1" dirty="0">
-                <a:solidFill>
-                  <a:schemeClr val="bg1"/>
-                </a:solidFill>
-                <a:latin typeface="-apple-system"/>
-              </a:rPr>
-              <a:t>Data with </a:t>
-            </a:r>
-            <a:r>
-              <a:rPr lang="en-US" sz="1400" b="1" i="0" dirty="0" err="1">
-                <a:solidFill>
-                  <a:schemeClr val="bg1"/>
-                </a:solidFill>
-                <a:effectLst/>
-                <a:latin typeface="-apple-system"/>
-              </a:rPr>
-              <a:t>ImageID</a:t>
-            </a:r>
-            <a:r>
-              <a:rPr lang="en-US" sz="1400" b="1" i="0" dirty="0">
-                <a:solidFill>
-                  <a:schemeClr val="bg1"/>
-                </a:solidFill>
-                <a:effectLst/>
-                <a:latin typeface="-apple-system"/>
-              </a:rPr>
-              <a:t>=T101389-10002: Result</a:t>
-            </a:r>
-            <a:endParaRPr lang="en-US" sz="1400" dirty="0">
-              <a:solidFill>
-                <a:schemeClr val="bg1"/>
-              </a:solidFill>
-            </a:endParaRPr>
-          </a:p>
-        </p:txBody>
-      </p:sp>
       <p:pic>
         <p:nvPicPr>
-          <p:cNvPr id="3" name="Picture 2">
-            <a:extLst>
-              <a:ext uri="{FF2B5EF4-FFF2-40B4-BE49-F238E27FC236}">
-                <a16:creationId xmlns:a16="http://schemas.microsoft.com/office/drawing/2014/main" id="{15440E01-B1E9-4BA0-918B-180513318CC0}"/>
+          <p:cNvPr id="4" name="Picture 3">
+            <a:extLst>
+              <a:ext uri="{FF2B5EF4-FFF2-40B4-BE49-F238E27FC236}">
+                <a16:creationId xmlns:a16="http://schemas.microsoft.com/office/drawing/2014/main" id="{B4C57082-2777-4954-8AA3-ED05DB1C9ADB}"/>
               </a:ext>
             </a:extLst>
           </p:cNvPr>
@@ -6960,8 +6332,8 @@
         </p:blipFill>
         <p:spPr>
           <a:xfrm>
-            <a:off x="0" y="1821015"/>
-            <a:ext cx="12192000" cy="3215970"/>
+            <a:off x="332724" y="0"/>
+            <a:ext cx="11526552" cy="6858000"/>
           </a:xfrm>
           <a:prstGeom prst="rect">
             <a:avLst/>
@@ -6973,7 +6345,7 @@
           <p:cNvPr id="8" name="Arrow: Right 7">
             <a:extLst>
               <a:ext uri="{FF2B5EF4-FFF2-40B4-BE49-F238E27FC236}">
-                <a16:creationId xmlns:a16="http://schemas.microsoft.com/office/drawing/2014/main" id="{F2FD17BF-5E16-4614-A5DF-A4B353FD8E18}"/>
+                <a16:creationId xmlns:a16="http://schemas.microsoft.com/office/drawing/2014/main" id="{6CFC2AE2-70EF-49CA-A75B-46C02BE8E398}"/>
               </a:ext>
             </a:extLst>
           </p:cNvPr>
@@ -6981,8 +6353,8 @@
           <p:nvPr/>
         </p:nvSpPr>
         <p:spPr>
-          <a:xfrm>
-            <a:off x="2876550" y="4524624"/>
+          <a:xfrm rot="5400000">
+            <a:off x="6054437" y="1409214"/>
             <a:ext cx="374073" cy="290946"/>
           </a:xfrm>
           <a:prstGeom prst="rightArrow">
@@ -7020,10 +6392,62 @@
           </a:p>
         </p:txBody>
       </p:sp>
+      <p:sp>
+        <p:nvSpPr>
+          <p:cNvPr id="10" name="Arrow: Right 9">
+            <a:extLst>
+              <a:ext uri="{FF2B5EF4-FFF2-40B4-BE49-F238E27FC236}">
+                <a16:creationId xmlns:a16="http://schemas.microsoft.com/office/drawing/2014/main" id="{DC92DBAB-816F-4871-B557-157AB5652CCF}"/>
+              </a:ext>
+            </a:extLst>
+          </p:cNvPr>
+          <p:cNvSpPr/>
+          <p:nvPr/>
+        </p:nvSpPr>
+        <p:spPr>
+          <a:xfrm rot="10800000">
+            <a:off x="7229477" y="3638550"/>
+            <a:ext cx="374073" cy="290946"/>
+          </a:xfrm>
+          <a:prstGeom prst="rightArrow">
+            <a:avLst/>
+          </a:prstGeom>
+          <a:solidFill>
+            <a:srgbClr val="FF0000"/>
+          </a:solidFill>
+          <a:ln>
+            <a:noFill/>
+          </a:ln>
+        </p:spPr>
+        <p:style>
+          <a:lnRef idx="2">
+            <a:schemeClr val="accent1">
+              <a:shade val="50000"/>
+            </a:schemeClr>
+          </a:lnRef>
+          <a:fillRef idx="1">
+            <a:schemeClr val="accent1"/>
+          </a:fillRef>
+          <a:effectRef idx="0">
+            <a:schemeClr val="accent1"/>
+          </a:effectRef>
+          <a:fontRef idx="minor">
+            <a:schemeClr val="lt1"/>
+          </a:fontRef>
+        </p:style>
+        <p:txBody>
+          <a:bodyPr rtlCol="0" anchor="ctr"/>
+          <a:lstStyle/>
+          <a:p>
+            <a:pPr algn="ctr"/>
+            <a:endParaRPr lang="en-US"/>
+          </a:p>
+        </p:txBody>
+      </p:sp>
     </p:spTree>
     <p:extLst>
       <p:ext uri="{BB962C8B-B14F-4D97-AF65-F5344CB8AC3E}">
-        <p14:creationId xmlns:p14="http://schemas.microsoft.com/office/powerpoint/2010/main" val="3742667134"/>
+        <p14:creationId xmlns:p14="http://schemas.microsoft.com/office/powerpoint/2010/main" val="764304304"/>
       </p:ext>
     </p:extLst>
   </p:cSld>
@@ -7050,60 +6474,12 @@
           <a:chExt cx="0" cy="0"/>
         </a:xfrm>
       </p:grpSpPr>
-      <p:sp>
-        <p:nvSpPr>
-          <p:cNvPr id="7" name="TextBox 6">
-            <a:extLst>
-              <a:ext uri="{FF2B5EF4-FFF2-40B4-BE49-F238E27FC236}">
-                <a16:creationId xmlns:a16="http://schemas.microsoft.com/office/drawing/2014/main" id="{DC0BA69E-AEE8-408C-8616-7AE5D70F540C}"/>
-              </a:ext>
-            </a:extLst>
-          </p:cNvPr>
-          <p:cNvSpPr txBox="1"/>
-          <p:nvPr/>
-        </p:nvSpPr>
-        <p:spPr>
-          <a:xfrm>
-            <a:off x="0" y="0"/>
-            <a:ext cx="12192000" cy="307777"/>
-          </a:xfrm>
-          <a:prstGeom prst="rect">
-            <a:avLst/>
-          </a:prstGeom>
-          <a:solidFill>
-            <a:schemeClr val="tx1"/>
-          </a:solidFill>
-        </p:spPr>
-        <p:txBody>
-          <a:bodyPr wrap="square">
-            <a:spAutoFit/>
-          </a:bodyPr>
-          <a:lstStyle/>
-          <a:p>
-            <a:r>
-              <a:rPr lang="en-US" sz="1400" b="1" i="0" dirty="0">
-                <a:solidFill>
-                  <a:schemeClr val="bg1"/>
-                </a:solidFill>
-                <a:effectLst/>
-                <a:latin typeface="-apple-system"/>
-              </a:rPr>
-              <a:t>Select files to be Exported to Watson Knowledge Catalog (in Cloud Pak for Data)</a:t>
-            </a:r>
-            <a:endParaRPr lang="en-US" sz="1400" dirty="0">
-              <a:solidFill>
-                <a:schemeClr val="bg1"/>
-              </a:solidFill>
-            </a:endParaRPr>
-          </a:p>
-        </p:txBody>
-      </p:sp>
       <p:pic>
         <p:nvPicPr>
-          <p:cNvPr id="4" name="Picture 3">
-            <a:extLst>
-              <a:ext uri="{FF2B5EF4-FFF2-40B4-BE49-F238E27FC236}">
-                <a16:creationId xmlns:a16="http://schemas.microsoft.com/office/drawing/2014/main" id="{995E71E3-63DF-417F-A64C-0B322735C3B2}"/>
+          <p:cNvPr id="5" name="Picture 4">
+            <a:extLst>
+              <a:ext uri="{FF2B5EF4-FFF2-40B4-BE49-F238E27FC236}">
+                <a16:creationId xmlns:a16="http://schemas.microsoft.com/office/drawing/2014/main" id="{4E13EDAB-759E-478E-B360-A162ADA82F5C}"/>
               </a:ext>
             </a:extLst>
           </p:cNvPr>
@@ -7120,122 +6496,18 @@
         </p:blipFill>
         <p:spPr>
           <a:xfrm>
-            <a:off x="0" y="1808208"/>
-            <a:ext cx="12192000" cy="3241584"/>
+            <a:off x="0" y="36548"/>
+            <a:ext cx="12192000" cy="6784904"/>
           </a:xfrm>
           <a:prstGeom prst="rect">
             <a:avLst/>
           </a:prstGeom>
         </p:spPr>
       </p:pic>
-      <p:sp>
-        <p:nvSpPr>
-          <p:cNvPr id="9" name="Arrow: Right 8">
-            <a:extLst>
-              <a:ext uri="{FF2B5EF4-FFF2-40B4-BE49-F238E27FC236}">
-                <a16:creationId xmlns:a16="http://schemas.microsoft.com/office/drawing/2014/main" id="{E0FCF2FF-8915-4864-B4C5-22F46013F3B5}"/>
-              </a:ext>
-            </a:extLst>
-          </p:cNvPr>
-          <p:cNvSpPr/>
-          <p:nvPr/>
-        </p:nvSpPr>
-        <p:spPr>
-          <a:xfrm rot="5400000">
-            <a:off x="3124200" y="2184013"/>
-            <a:ext cx="374073" cy="290946"/>
-          </a:xfrm>
-          <a:prstGeom prst="rightArrow">
-            <a:avLst/>
-          </a:prstGeom>
-          <a:solidFill>
-            <a:srgbClr val="FF0000"/>
-          </a:solidFill>
-          <a:ln>
-            <a:noFill/>
-          </a:ln>
-        </p:spPr>
-        <p:style>
-          <a:lnRef idx="2">
-            <a:schemeClr val="accent1">
-              <a:shade val="50000"/>
-            </a:schemeClr>
-          </a:lnRef>
-          <a:fillRef idx="1">
-            <a:schemeClr val="accent1"/>
-          </a:fillRef>
-          <a:effectRef idx="0">
-            <a:schemeClr val="accent1"/>
-          </a:effectRef>
-          <a:fontRef idx="minor">
-            <a:schemeClr val="lt1"/>
-          </a:fontRef>
-        </p:style>
-        <p:txBody>
-          <a:bodyPr rtlCol="0" anchor="ctr"/>
-          <a:lstStyle/>
-          <a:p>
-            <a:pPr algn="ctr"/>
-            <a:endParaRPr lang="en-US"/>
-          </a:p>
-        </p:txBody>
-      </p:sp>
-      <p:sp>
-        <p:nvSpPr>
-          <p:cNvPr id="11" name="Arrow: Right 10">
-            <a:extLst>
-              <a:ext uri="{FF2B5EF4-FFF2-40B4-BE49-F238E27FC236}">
-                <a16:creationId xmlns:a16="http://schemas.microsoft.com/office/drawing/2014/main" id="{A4B41F6C-D3F1-4736-A18B-030C9368A329}"/>
-              </a:ext>
-            </a:extLst>
-          </p:cNvPr>
-          <p:cNvSpPr/>
-          <p:nvPr/>
-        </p:nvSpPr>
-        <p:spPr>
-          <a:xfrm rot="5400000">
-            <a:off x="10763252" y="1783287"/>
-            <a:ext cx="374073" cy="290946"/>
-          </a:xfrm>
-          <a:prstGeom prst="rightArrow">
-            <a:avLst/>
-          </a:prstGeom>
-          <a:solidFill>
-            <a:srgbClr val="FF0000"/>
-          </a:solidFill>
-          <a:ln>
-            <a:noFill/>
-          </a:ln>
-        </p:spPr>
-        <p:style>
-          <a:lnRef idx="2">
-            <a:schemeClr val="accent1">
-              <a:shade val="50000"/>
-            </a:schemeClr>
-          </a:lnRef>
-          <a:fillRef idx="1">
-            <a:schemeClr val="accent1"/>
-          </a:fillRef>
-          <a:effectRef idx="0">
-            <a:schemeClr val="accent1"/>
-          </a:effectRef>
-          <a:fontRef idx="minor">
-            <a:schemeClr val="lt1"/>
-          </a:fontRef>
-        </p:style>
-        <p:txBody>
-          <a:bodyPr rtlCol="0" anchor="ctr"/>
-          <a:lstStyle/>
-          <a:p>
-            <a:pPr algn="ctr"/>
-            <a:endParaRPr lang="en-US"/>
-          </a:p>
-        </p:txBody>
-      </p:sp>
     </p:spTree>
     <p:extLst>
       <p:ext uri="{BB962C8B-B14F-4D97-AF65-F5344CB8AC3E}">
-        <p14:creationId xmlns:p14="http://schemas.microsoft.com/office/powerpoint/2010/main" val="704374441"/>
+        <p14:creationId xmlns:p14="http://schemas.microsoft.com/office/powerpoint/2010/main" val="4116574570"/>
       </p:ext>
     </p:extLst>
   </p:cSld>
@@ -7262,80 +6534,12 @@
           <a:chExt cx="0" cy="0"/>
         </a:xfrm>
       </p:grpSpPr>
-      <p:sp>
-        <p:nvSpPr>
-          <p:cNvPr id="7" name="TextBox 6">
-            <a:extLst>
-              <a:ext uri="{FF2B5EF4-FFF2-40B4-BE49-F238E27FC236}">
-                <a16:creationId xmlns:a16="http://schemas.microsoft.com/office/drawing/2014/main" id="{DC0BA69E-AEE8-408C-8616-7AE5D70F540C}"/>
-              </a:ext>
-            </a:extLst>
-          </p:cNvPr>
-          <p:cNvSpPr txBox="1"/>
-          <p:nvPr/>
-        </p:nvSpPr>
-        <p:spPr>
-          <a:xfrm>
-            <a:off x="0" y="0"/>
-            <a:ext cx="12192000" cy="307777"/>
-          </a:xfrm>
-          <a:prstGeom prst="rect">
-            <a:avLst/>
-          </a:prstGeom>
-          <a:solidFill>
-            <a:schemeClr val="tx1"/>
-          </a:solidFill>
-        </p:spPr>
-        <p:txBody>
-          <a:bodyPr wrap="square">
-            <a:spAutoFit/>
-          </a:bodyPr>
-          <a:lstStyle/>
-          <a:p>
-            <a:r>
-              <a:rPr lang="en-US" sz="1400" b="1" i="0" dirty="0">
-                <a:solidFill>
-                  <a:schemeClr val="bg1"/>
-                </a:solidFill>
-                <a:effectLst/>
-                <a:latin typeface="-apple-system"/>
-              </a:rPr>
-              <a:t>Select Metadata Tags to be Exported to Watson Knowledge Catalog “</a:t>
-            </a:r>
-            <a:r>
-              <a:rPr lang="en-US" sz="1400" b="1" i="0" dirty="0" err="1">
-                <a:solidFill>
-                  <a:schemeClr val="bg1"/>
-                </a:solidFill>
-                <a:effectLst/>
-                <a:latin typeface="-apple-system"/>
-              </a:rPr>
-              <a:t>uDCt</a:t>
-            </a:r>
-            <a:r>
-              <a:rPr lang="en-US" sz="1400" b="1" i="0" dirty="0">
-                <a:solidFill>
-                  <a:schemeClr val="bg1"/>
-                </a:solidFill>
-                <a:effectLst/>
-                <a:latin typeface="-apple-system"/>
-              </a:rPr>
-              <a:t> Catalog1”</a:t>
-            </a:r>
-            <a:endParaRPr lang="en-US" sz="1400" dirty="0">
-              <a:solidFill>
-                <a:schemeClr val="bg1"/>
-              </a:solidFill>
-            </a:endParaRPr>
-          </a:p>
-        </p:txBody>
-      </p:sp>
       <p:pic>
         <p:nvPicPr>
-          <p:cNvPr id="3" name="Picture 2">
-            <a:extLst>
-              <a:ext uri="{FF2B5EF4-FFF2-40B4-BE49-F238E27FC236}">
-                <a16:creationId xmlns:a16="http://schemas.microsoft.com/office/drawing/2014/main" id="{87E7800B-B27D-4F16-B211-02B28F6809B9}"/>
+          <p:cNvPr id="8" name="Picture 7">
+            <a:extLst>
+              <a:ext uri="{FF2B5EF4-FFF2-40B4-BE49-F238E27FC236}">
+                <a16:creationId xmlns:a16="http://schemas.microsoft.com/office/drawing/2014/main" id="{5CBE9DC9-4D1E-4E57-BA42-A138D4846EC0}"/>
               </a:ext>
             </a:extLst>
           </p:cNvPr>
@@ -7352,8 +6556,8 @@
         </p:blipFill>
         <p:spPr>
           <a:xfrm>
-            <a:off x="0" y="1122620"/>
-            <a:ext cx="12192000" cy="5031860"/>
+            <a:off x="619125" y="424198"/>
+            <a:ext cx="10838925" cy="6276801"/>
           </a:xfrm>
           <a:prstGeom prst="rect">
             <a:avLst/>
@@ -7362,10 +6566,10 @@
       </p:pic>
       <p:sp>
         <p:nvSpPr>
-          <p:cNvPr id="8" name="Arrow: Right 7">
-            <a:extLst>
-              <a:ext uri="{FF2B5EF4-FFF2-40B4-BE49-F238E27FC236}">
-                <a16:creationId xmlns:a16="http://schemas.microsoft.com/office/drawing/2014/main" id="{6CFC2AE2-70EF-49CA-A75B-46C02BE8E398}"/>
+          <p:cNvPr id="6" name="Arrow: Right 5">
+            <a:extLst>
+              <a:ext uri="{FF2B5EF4-FFF2-40B4-BE49-F238E27FC236}">
+                <a16:creationId xmlns:a16="http://schemas.microsoft.com/office/drawing/2014/main" id="{5DD7644B-3387-4F69-B7B2-ABCF72AD5DCA}"/>
               </a:ext>
             </a:extLst>
           </p:cNvPr>
@@ -7373,8 +6577,8 @@
           <p:nvPr/>
         </p:nvSpPr>
         <p:spPr>
-          <a:xfrm rot="5400000">
-            <a:off x="6054437" y="1409214"/>
+          <a:xfrm>
+            <a:off x="619125" y="5330164"/>
             <a:ext cx="374073" cy="290946"/>
           </a:xfrm>
           <a:prstGeom prst="rightArrow">
@@ -7414,10 +6618,10 @@
       </p:sp>
       <p:sp>
         <p:nvSpPr>
-          <p:cNvPr id="10" name="Arrow: Right 9">
-            <a:extLst>
-              <a:ext uri="{FF2B5EF4-FFF2-40B4-BE49-F238E27FC236}">
-                <a16:creationId xmlns:a16="http://schemas.microsoft.com/office/drawing/2014/main" id="{DC92DBAB-816F-4871-B557-157AB5652CCF}"/>
+          <p:cNvPr id="9" name="Arrow: Right 8">
+            <a:extLst>
+              <a:ext uri="{FF2B5EF4-FFF2-40B4-BE49-F238E27FC236}">
+                <a16:creationId xmlns:a16="http://schemas.microsoft.com/office/drawing/2014/main" id="{8EC2CDF2-0B2C-44F7-8AF6-7F46B5A9AAC4}"/>
               </a:ext>
             </a:extLst>
           </p:cNvPr>
@@ -7425,8 +6629,8 @@
           <p:nvPr/>
         </p:nvSpPr>
         <p:spPr>
-          <a:xfrm rot="10800000">
-            <a:off x="7229477" y="3638550"/>
+          <a:xfrm>
+            <a:off x="733950" y="3562598"/>
             <a:ext cx="374073" cy="290946"/>
           </a:xfrm>
           <a:prstGeom prst="rightArrow">
@@ -7464,10 +6668,78 @@
           </a:p>
         </p:txBody>
       </p:sp>
+      <p:sp>
+        <p:nvSpPr>
+          <p:cNvPr id="11" name="TextBox 10">
+            <a:extLst>
+              <a:ext uri="{FF2B5EF4-FFF2-40B4-BE49-F238E27FC236}">
+                <a16:creationId xmlns:a16="http://schemas.microsoft.com/office/drawing/2014/main" id="{F9701955-1AE9-49E4-8EDF-0CD0A37AD7CD}"/>
+              </a:ext>
+            </a:extLst>
+          </p:cNvPr>
+          <p:cNvSpPr txBox="1"/>
+          <p:nvPr/>
+        </p:nvSpPr>
+        <p:spPr>
+          <a:xfrm>
+            <a:off x="0" y="0"/>
+            <a:ext cx="12192000" cy="307777"/>
+          </a:xfrm>
+          <a:prstGeom prst="rect">
+            <a:avLst/>
+          </a:prstGeom>
+          <a:solidFill>
+            <a:schemeClr val="tx1"/>
+          </a:solidFill>
+        </p:spPr>
+        <p:txBody>
+          <a:bodyPr wrap="square">
+            <a:spAutoFit/>
+          </a:bodyPr>
+          <a:lstStyle/>
+          <a:p>
+            <a:r>
+              <a:rPr lang="en-US" sz="1400" b="1" i="0" dirty="0">
+                <a:solidFill>
+                  <a:schemeClr val="bg1"/>
+                </a:solidFill>
+                <a:effectLst/>
+                <a:latin typeface="-apple-system"/>
+              </a:rPr>
+              <a:t>Watson Knowledge Catalog “</a:t>
+            </a:r>
+            <a:r>
+              <a:rPr lang="en-US" sz="1400" b="1" i="0" dirty="0" err="1">
+                <a:solidFill>
+                  <a:schemeClr val="bg1"/>
+                </a:solidFill>
+                <a:effectLst/>
+                <a:latin typeface="-apple-system"/>
+              </a:rPr>
+              <a:t>uDCt</a:t>
+            </a:r>
+            <a:r>
+              <a:rPr lang="en-US" sz="1400" b="1" i="0" dirty="0">
+                <a:solidFill>
+                  <a:schemeClr val="bg1"/>
+                </a:solidFill>
+                <a:effectLst/>
+                <a:latin typeface="-apple-system"/>
+              </a:rPr>
+              <a:t> Catalog1”</a:t>
+            </a:r>
+            <a:endParaRPr lang="en-US" sz="1400" dirty="0">
+              <a:solidFill>
+                <a:schemeClr val="bg1"/>
+              </a:solidFill>
+            </a:endParaRPr>
+          </a:p>
+        </p:txBody>
+      </p:sp>
     </p:spTree>
     <p:extLst>
       <p:ext uri="{BB962C8B-B14F-4D97-AF65-F5344CB8AC3E}">
-        <p14:creationId xmlns:p14="http://schemas.microsoft.com/office/powerpoint/2010/main" val="764304304"/>
+        <p14:creationId xmlns:p14="http://schemas.microsoft.com/office/powerpoint/2010/main" val="2400849780"/>
       </p:ext>
     </p:extLst>
   </p:cSld>
@@ -7496,10 +6768,10 @@
       </p:grpSpPr>
       <p:pic>
         <p:nvPicPr>
-          <p:cNvPr id="5" name="Picture 4">
-            <a:extLst>
-              <a:ext uri="{FF2B5EF4-FFF2-40B4-BE49-F238E27FC236}">
-                <a16:creationId xmlns:a16="http://schemas.microsoft.com/office/drawing/2014/main" id="{4E13EDAB-759E-478E-B360-A162ADA82F5C}"/>
+          <p:cNvPr id="4" name="Picture 3">
+            <a:extLst>
+              <a:ext uri="{FF2B5EF4-FFF2-40B4-BE49-F238E27FC236}">
+                <a16:creationId xmlns:a16="http://schemas.microsoft.com/office/drawing/2014/main" id="{A45F36C2-47E7-47CE-8465-7DDA48EF1FFD}"/>
               </a:ext>
             </a:extLst>
           </p:cNvPr>
@@ -7516,18 +6788,170 @@
         </p:blipFill>
         <p:spPr>
           <a:xfrm>
-            <a:off x="0" y="36548"/>
-            <a:ext cx="12192000" cy="6784904"/>
+            <a:off x="735290" y="824125"/>
+            <a:ext cx="10421820" cy="5905943"/>
           </a:xfrm>
           <a:prstGeom prst="rect">
             <a:avLst/>
           </a:prstGeom>
         </p:spPr>
       </p:pic>
+      <p:sp>
+        <p:nvSpPr>
+          <p:cNvPr id="7" name="TextBox 6">
+            <a:extLst>
+              <a:ext uri="{FF2B5EF4-FFF2-40B4-BE49-F238E27FC236}">
+                <a16:creationId xmlns:a16="http://schemas.microsoft.com/office/drawing/2014/main" id="{4B15080C-208A-4EA5-959D-4B354F9F4058}"/>
+              </a:ext>
+            </a:extLst>
+          </p:cNvPr>
+          <p:cNvSpPr txBox="1"/>
+          <p:nvPr/>
+        </p:nvSpPr>
+        <p:spPr>
+          <a:xfrm>
+            <a:off x="0" y="0"/>
+            <a:ext cx="12192000" cy="307777"/>
+          </a:xfrm>
+          <a:prstGeom prst="rect">
+            <a:avLst/>
+          </a:prstGeom>
+          <a:solidFill>
+            <a:schemeClr val="tx1"/>
+          </a:solidFill>
+        </p:spPr>
+        <p:txBody>
+          <a:bodyPr wrap="square">
+            <a:spAutoFit/>
+          </a:bodyPr>
+          <a:lstStyle/>
+          <a:p>
+            <a:r>
+              <a:rPr lang="en-US" sz="1400" b="1" i="0" dirty="0">
+                <a:solidFill>
+                  <a:schemeClr val="bg1"/>
+                </a:solidFill>
+                <a:effectLst/>
+                <a:latin typeface="-apple-system"/>
+              </a:rPr>
+              <a:t>Data Asset View</a:t>
+            </a:r>
+            <a:endParaRPr lang="en-US" sz="1400" dirty="0">
+              <a:solidFill>
+                <a:schemeClr val="bg1"/>
+              </a:solidFill>
+            </a:endParaRPr>
+          </a:p>
+        </p:txBody>
+      </p:sp>
+      <p:sp>
+        <p:nvSpPr>
+          <p:cNvPr id="9" name="Arrow: Right 8">
+            <a:extLst>
+              <a:ext uri="{FF2B5EF4-FFF2-40B4-BE49-F238E27FC236}">
+                <a16:creationId xmlns:a16="http://schemas.microsoft.com/office/drawing/2014/main" id="{AD55E3DE-B140-4E52-B6EA-D7C0007AEF88}"/>
+              </a:ext>
+            </a:extLst>
+          </p:cNvPr>
+          <p:cNvSpPr/>
+          <p:nvPr/>
+        </p:nvSpPr>
+        <p:spPr>
+          <a:xfrm rot="10800000">
+            <a:off x="3486409" y="3948064"/>
+            <a:ext cx="374073" cy="290946"/>
+          </a:xfrm>
+          <a:prstGeom prst="rightArrow">
+            <a:avLst/>
+          </a:prstGeom>
+          <a:solidFill>
+            <a:srgbClr val="FF0000"/>
+          </a:solidFill>
+          <a:ln>
+            <a:noFill/>
+          </a:ln>
+        </p:spPr>
+        <p:style>
+          <a:lnRef idx="2">
+            <a:schemeClr val="accent1">
+              <a:shade val="50000"/>
+            </a:schemeClr>
+          </a:lnRef>
+          <a:fillRef idx="1">
+            <a:schemeClr val="accent1"/>
+          </a:fillRef>
+          <a:effectRef idx="0">
+            <a:schemeClr val="accent1"/>
+          </a:effectRef>
+          <a:fontRef idx="minor">
+            <a:schemeClr val="lt1"/>
+          </a:fontRef>
+        </p:style>
+        <p:txBody>
+          <a:bodyPr rtlCol="0" anchor="ctr"/>
+          <a:lstStyle/>
+          <a:p>
+            <a:pPr algn="ctr"/>
+            <a:endParaRPr lang="en-US"/>
+          </a:p>
+        </p:txBody>
+      </p:sp>
+      <p:sp>
+        <p:nvSpPr>
+          <p:cNvPr id="10" name="Arrow: Right 9">
+            <a:extLst>
+              <a:ext uri="{FF2B5EF4-FFF2-40B4-BE49-F238E27FC236}">
+                <a16:creationId xmlns:a16="http://schemas.microsoft.com/office/drawing/2014/main" id="{B4E5378A-8F3D-47FA-A44F-8A83A9895BCC}"/>
+              </a:ext>
+            </a:extLst>
+          </p:cNvPr>
+          <p:cNvSpPr/>
+          <p:nvPr/>
+        </p:nvSpPr>
+        <p:spPr>
+          <a:xfrm rot="10800000">
+            <a:off x="9790494" y="5076002"/>
+            <a:ext cx="374073" cy="290946"/>
+          </a:xfrm>
+          <a:prstGeom prst="rightArrow">
+            <a:avLst/>
+          </a:prstGeom>
+          <a:solidFill>
+            <a:srgbClr val="FF0000"/>
+          </a:solidFill>
+          <a:ln>
+            <a:noFill/>
+          </a:ln>
+        </p:spPr>
+        <p:style>
+          <a:lnRef idx="2">
+            <a:schemeClr val="accent1">
+              <a:shade val="50000"/>
+            </a:schemeClr>
+          </a:lnRef>
+          <a:fillRef idx="1">
+            <a:schemeClr val="accent1"/>
+          </a:fillRef>
+          <a:effectRef idx="0">
+            <a:schemeClr val="accent1"/>
+          </a:effectRef>
+          <a:fontRef idx="minor">
+            <a:schemeClr val="lt1"/>
+          </a:fontRef>
+        </p:style>
+        <p:txBody>
+          <a:bodyPr rtlCol="0" anchor="ctr"/>
+          <a:lstStyle/>
+          <a:p>
+            <a:pPr algn="ctr"/>
+            <a:endParaRPr lang="en-US"/>
+          </a:p>
+        </p:txBody>
+      </p:sp>
     </p:spTree>
     <p:extLst>
       <p:ext uri="{BB962C8B-B14F-4D97-AF65-F5344CB8AC3E}">
-        <p14:creationId xmlns:p14="http://schemas.microsoft.com/office/powerpoint/2010/main" val="4116574570"/>
+        <p14:creationId xmlns:p14="http://schemas.microsoft.com/office/powerpoint/2010/main" val="2795415592"/>
       </p:ext>
     </p:extLst>
   </p:cSld>
@@ -7556,10 +6980,10 @@
       </p:grpSpPr>
       <p:pic>
         <p:nvPicPr>
-          <p:cNvPr id="5" name="Picture 4">
-            <a:extLst>
-              <a:ext uri="{FF2B5EF4-FFF2-40B4-BE49-F238E27FC236}">
-                <a16:creationId xmlns:a16="http://schemas.microsoft.com/office/drawing/2014/main" id="{269D915F-ED66-4C54-ADB6-9AE869AFF019}"/>
+          <p:cNvPr id="3" name="Picture 2">
+            <a:extLst>
+              <a:ext uri="{FF2B5EF4-FFF2-40B4-BE49-F238E27FC236}">
+                <a16:creationId xmlns:a16="http://schemas.microsoft.com/office/drawing/2014/main" id="{9715EEB8-2A28-4DA3-BEFC-3BC32485D7DF}"/>
               </a:ext>
             </a:extLst>
           </p:cNvPr>
@@ -7576,8 +7000,8 @@
         </p:blipFill>
         <p:spPr>
           <a:xfrm>
-            <a:off x="0" y="974813"/>
-            <a:ext cx="12192000" cy="4908374"/>
+            <a:off x="153819" y="0"/>
+            <a:ext cx="11884361" cy="6858000"/>
           </a:xfrm>
           <a:prstGeom prst="rect">
             <a:avLst/>
@@ -7586,10 +7010,58 @@
       </p:pic>
       <p:sp>
         <p:nvSpPr>
-          <p:cNvPr id="6" name="Arrow: Right 5">
-            <a:extLst>
-              <a:ext uri="{FF2B5EF4-FFF2-40B4-BE49-F238E27FC236}">
-                <a16:creationId xmlns:a16="http://schemas.microsoft.com/office/drawing/2014/main" id="{5DD7644B-3387-4F69-B7B2-ABCF72AD5DCA}"/>
+          <p:cNvPr id="7" name="TextBox 6">
+            <a:extLst>
+              <a:ext uri="{FF2B5EF4-FFF2-40B4-BE49-F238E27FC236}">
+                <a16:creationId xmlns:a16="http://schemas.microsoft.com/office/drawing/2014/main" id="{4B15080C-208A-4EA5-959D-4B354F9F4058}"/>
+              </a:ext>
+            </a:extLst>
+          </p:cNvPr>
+          <p:cNvSpPr txBox="1"/>
+          <p:nvPr/>
+        </p:nvSpPr>
+        <p:spPr>
+          <a:xfrm>
+            <a:off x="0" y="0"/>
+            <a:ext cx="12192000" cy="307777"/>
+          </a:xfrm>
+          <a:prstGeom prst="rect">
+            <a:avLst/>
+          </a:prstGeom>
+          <a:solidFill>
+            <a:schemeClr val="tx1"/>
+          </a:solidFill>
+        </p:spPr>
+        <p:txBody>
+          <a:bodyPr wrap="square">
+            <a:spAutoFit/>
+          </a:bodyPr>
+          <a:lstStyle/>
+          <a:p>
+            <a:r>
+              <a:rPr lang="en-US" sz="1400" b="1" i="0" dirty="0">
+                <a:solidFill>
+                  <a:schemeClr val="bg1"/>
+                </a:solidFill>
+                <a:effectLst/>
+                <a:latin typeface="-apple-system"/>
+              </a:rPr>
+              <a:t>Data Asset View</a:t>
+            </a:r>
+            <a:endParaRPr lang="en-US" sz="1400" dirty="0">
+              <a:solidFill>
+                <a:schemeClr val="bg1"/>
+              </a:solidFill>
+            </a:endParaRPr>
+          </a:p>
+        </p:txBody>
+      </p:sp>
+      <p:sp>
+        <p:nvSpPr>
+          <p:cNvPr id="9" name="Arrow: Right 8">
+            <a:extLst>
+              <a:ext uri="{FF2B5EF4-FFF2-40B4-BE49-F238E27FC236}">
+                <a16:creationId xmlns:a16="http://schemas.microsoft.com/office/drawing/2014/main" id="{AD55E3DE-B140-4E52-B6EA-D7C0007AEF88}"/>
               </a:ext>
             </a:extLst>
           </p:cNvPr>
@@ -7597,8 +7069,8 @@
           <p:nvPr/>
         </p:nvSpPr>
         <p:spPr>
-          <a:xfrm>
-            <a:off x="0" y="5124699"/>
+          <a:xfrm rot="10800000">
+            <a:off x="3762536" y="1736057"/>
             <a:ext cx="374073" cy="290946"/>
           </a:xfrm>
           <a:prstGeom prst="rightArrow">
@@ -7636,234 +7108,10 @@
           </a:p>
         </p:txBody>
       </p:sp>
-      <p:sp>
-        <p:nvSpPr>
-          <p:cNvPr id="7" name="Arrow: Right 6">
-            <a:extLst>
-              <a:ext uri="{FF2B5EF4-FFF2-40B4-BE49-F238E27FC236}">
-                <a16:creationId xmlns:a16="http://schemas.microsoft.com/office/drawing/2014/main" id="{BD4FE829-20D2-4D0E-9A88-D62690658505}"/>
-              </a:ext>
-            </a:extLst>
-          </p:cNvPr>
-          <p:cNvSpPr/>
-          <p:nvPr/>
-        </p:nvSpPr>
-        <p:spPr>
-          <a:xfrm>
-            <a:off x="6061" y="5592241"/>
-            <a:ext cx="374073" cy="290946"/>
-          </a:xfrm>
-          <a:prstGeom prst="rightArrow">
-            <a:avLst/>
-          </a:prstGeom>
-          <a:solidFill>
-            <a:srgbClr val="FF0000"/>
-          </a:solidFill>
-          <a:ln>
-            <a:noFill/>
-          </a:ln>
-        </p:spPr>
-        <p:style>
-          <a:lnRef idx="2">
-            <a:schemeClr val="accent1">
-              <a:shade val="50000"/>
-            </a:schemeClr>
-          </a:lnRef>
-          <a:fillRef idx="1">
-            <a:schemeClr val="accent1"/>
-          </a:fillRef>
-          <a:effectRef idx="0">
-            <a:schemeClr val="accent1"/>
-          </a:effectRef>
-          <a:fontRef idx="minor">
-            <a:schemeClr val="lt1"/>
-          </a:fontRef>
-        </p:style>
-        <p:txBody>
-          <a:bodyPr rtlCol="0" anchor="ctr"/>
-          <a:lstStyle/>
-          <a:p>
-            <a:pPr algn="ctr"/>
-            <a:endParaRPr lang="en-US"/>
-          </a:p>
-        </p:txBody>
-      </p:sp>
-      <p:sp>
-        <p:nvSpPr>
-          <p:cNvPr id="9" name="Arrow: Right 8">
-            <a:extLst>
-              <a:ext uri="{FF2B5EF4-FFF2-40B4-BE49-F238E27FC236}">
-                <a16:creationId xmlns:a16="http://schemas.microsoft.com/office/drawing/2014/main" id="{8EC2CDF2-0B2C-44F7-8AF6-7F46B5A9AAC4}"/>
-              </a:ext>
-            </a:extLst>
-          </p:cNvPr>
-          <p:cNvSpPr/>
-          <p:nvPr/>
-        </p:nvSpPr>
-        <p:spPr>
-          <a:xfrm>
-            <a:off x="619125" y="3562599"/>
-            <a:ext cx="374073" cy="290946"/>
-          </a:xfrm>
-          <a:prstGeom prst="rightArrow">
-            <a:avLst/>
-          </a:prstGeom>
-          <a:solidFill>
-            <a:srgbClr val="FF0000"/>
-          </a:solidFill>
-          <a:ln>
-            <a:noFill/>
-          </a:ln>
-        </p:spPr>
-        <p:style>
-          <a:lnRef idx="2">
-            <a:schemeClr val="accent1">
-              <a:shade val="50000"/>
-            </a:schemeClr>
-          </a:lnRef>
-          <a:fillRef idx="1">
-            <a:schemeClr val="accent1"/>
-          </a:fillRef>
-          <a:effectRef idx="0">
-            <a:schemeClr val="accent1"/>
-          </a:effectRef>
-          <a:fontRef idx="minor">
-            <a:schemeClr val="lt1"/>
-          </a:fontRef>
-        </p:style>
-        <p:txBody>
-          <a:bodyPr rtlCol="0" anchor="ctr"/>
-          <a:lstStyle/>
-          <a:p>
-            <a:pPr algn="ctr"/>
-            <a:endParaRPr lang="en-US"/>
-          </a:p>
-        </p:txBody>
-      </p:sp>
-      <p:sp>
-        <p:nvSpPr>
-          <p:cNvPr id="10" name="Arrow: Right 9">
-            <a:extLst>
-              <a:ext uri="{FF2B5EF4-FFF2-40B4-BE49-F238E27FC236}">
-                <a16:creationId xmlns:a16="http://schemas.microsoft.com/office/drawing/2014/main" id="{7A82DFC9-3D4F-43C0-A659-992328820CC1}"/>
-              </a:ext>
-            </a:extLst>
-          </p:cNvPr>
-          <p:cNvSpPr/>
-          <p:nvPr/>
-        </p:nvSpPr>
-        <p:spPr>
-          <a:xfrm>
-            <a:off x="3028950" y="3577569"/>
-            <a:ext cx="374073" cy="290946"/>
-          </a:xfrm>
-          <a:prstGeom prst="rightArrow">
-            <a:avLst/>
-          </a:prstGeom>
-          <a:solidFill>
-            <a:srgbClr val="FF0000"/>
-          </a:solidFill>
-          <a:ln>
-            <a:noFill/>
-          </a:ln>
-        </p:spPr>
-        <p:style>
-          <a:lnRef idx="2">
-            <a:schemeClr val="accent1">
-              <a:shade val="50000"/>
-            </a:schemeClr>
-          </a:lnRef>
-          <a:fillRef idx="1">
-            <a:schemeClr val="accent1"/>
-          </a:fillRef>
-          <a:effectRef idx="0">
-            <a:schemeClr val="accent1"/>
-          </a:effectRef>
-          <a:fontRef idx="minor">
-            <a:schemeClr val="lt1"/>
-          </a:fontRef>
-        </p:style>
-        <p:txBody>
-          <a:bodyPr rtlCol="0" anchor="ctr"/>
-          <a:lstStyle/>
-          <a:p>
-            <a:pPr algn="ctr"/>
-            <a:endParaRPr lang="en-US"/>
-          </a:p>
-        </p:txBody>
-      </p:sp>
-      <p:sp>
-        <p:nvSpPr>
-          <p:cNvPr id="11" name="TextBox 10">
-            <a:extLst>
-              <a:ext uri="{FF2B5EF4-FFF2-40B4-BE49-F238E27FC236}">
-                <a16:creationId xmlns:a16="http://schemas.microsoft.com/office/drawing/2014/main" id="{F9701955-1AE9-49E4-8EDF-0CD0A37AD7CD}"/>
-              </a:ext>
-            </a:extLst>
-          </p:cNvPr>
-          <p:cNvSpPr txBox="1"/>
-          <p:nvPr/>
-        </p:nvSpPr>
-        <p:spPr>
-          <a:xfrm>
-            <a:off x="0" y="0"/>
-            <a:ext cx="12192000" cy="307777"/>
-          </a:xfrm>
-          <a:prstGeom prst="rect">
-            <a:avLst/>
-          </a:prstGeom>
-          <a:solidFill>
-            <a:schemeClr val="tx1"/>
-          </a:solidFill>
-        </p:spPr>
-        <p:txBody>
-          <a:bodyPr wrap="square">
-            <a:spAutoFit/>
-          </a:bodyPr>
-          <a:lstStyle/>
-          <a:p>
-            <a:r>
-              <a:rPr lang="en-US" sz="1400" b="1" i="0" dirty="0">
-                <a:solidFill>
-                  <a:schemeClr val="bg1"/>
-                </a:solidFill>
-                <a:effectLst/>
-                <a:latin typeface="-apple-system"/>
-              </a:rPr>
-              <a:t>Watson Knowledge Catalog “</a:t>
-            </a:r>
-            <a:r>
-              <a:rPr lang="en-US" sz="1400" b="1" i="0" dirty="0" err="1">
-                <a:solidFill>
-                  <a:schemeClr val="bg1"/>
-                </a:solidFill>
-                <a:effectLst/>
-                <a:latin typeface="-apple-system"/>
-              </a:rPr>
-              <a:t>uDCt</a:t>
-            </a:r>
-            <a:r>
-              <a:rPr lang="en-US" sz="1400" b="1" i="0" dirty="0">
-                <a:solidFill>
-                  <a:schemeClr val="bg1"/>
-                </a:solidFill>
-                <a:effectLst/>
-                <a:latin typeface="-apple-system"/>
-              </a:rPr>
-              <a:t> Catalog1”</a:t>
-            </a:r>
-            <a:endParaRPr lang="en-US" sz="1400" dirty="0">
-              <a:solidFill>
-                <a:schemeClr val="bg1"/>
-              </a:solidFill>
-            </a:endParaRPr>
-          </a:p>
-        </p:txBody>
-      </p:sp>
     </p:spTree>
     <p:extLst>
       <p:ext uri="{BB962C8B-B14F-4D97-AF65-F5344CB8AC3E}">
-        <p14:creationId xmlns:p14="http://schemas.microsoft.com/office/powerpoint/2010/main" val="2400849780"/>
+        <p14:creationId xmlns:p14="http://schemas.microsoft.com/office/powerpoint/2010/main" val="359760320"/>
       </p:ext>
     </p:extLst>
   </p:cSld>
@@ -7892,10 +7140,10 @@
       </p:grpSpPr>
       <p:pic>
         <p:nvPicPr>
-          <p:cNvPr id="3" name="Picture 2">
-            <a:extLst>
-              <a:ext uri="{FF2B5EF4-FFF2-40B4-BE49-F238E27FC236}">
-                <a16:creationId xmlns:a16="http://schemas.microsoft.com/office/drawing/2014/main" id="{C43DF268-C2DB-466D-898B-C46BE1C5770D}"/>
+          <p:cNvPr id="5" name="Picture 4">
+            <a:extLst>
+              <a:ext uri="{FF2B5EF4-FFF2-40B4-BE49-F238E27FC236}">
+                <a16:creationId xmlns:a16="http://schemas.microsoft.com/office/drawing/2014/main" id="{D1E9CF85-CB79-4F04-B7B1-6988B26D99EF}"/>
               </a:ext>
             </a:extLst>
           </p:cNvPr>
@@ -7912,170 +7160,18 @@
         </p:blipFill>
         <p:spPr>
           <a:xfrm>
-            <a:off x="0" y="943108"/>
-            <a:ext cx="12192000" cy="4971784"/>
+            <a:off x="0" y="456555"/>
+            <a:ext cx="12192000" cy="6401445"/>
           </a:xfrm>
           <a:prstGeom prst="rect">
             <a:avLst/>
           </a:prstGeom>
         </p:spPr>
       </p:pic>
-      <p:sp>
-        <p:nvSpPr>
-          <p:cNvPr id="7" name="TextBox 6">
-            <a:extLst>
-              <a:ext uri="{FF2B5EF4-FFF2-40B4-BE49-F238E27FC236}">
-                <a16:creationId xmlns:a16="http://schemas.microsoft.com/office/drawing/2014/main" id="{4B15080C-208A-4EA5-959D-4B354F9F4058}"/>
-              </a:ext>
-            </a:extLst>
-          </p:cNvPr>
-          <p:cNvSpPr txBox="1"/>
-          <p:nvPr/>
-        </p:nvSpPr>
-        <p:spPr>
-          <a:xfrm>
-            <a:off x="0" y="0"/>
-            <a:ext cx="12192000" cy="307777"/>
-          </a:xfrm>
-          <a:prstGeom prst="rect">
-            <a:avLst/>
-          </a:prstGeom>
-          <a:solidFill>
-            <a:schemeClr val="tx1"/>
-          </a:solidFill>
-        </p:spPr>
-        <p:txBody>
-          <a:bodyPr wrap="square">
-            <a:spAutoFit/>
-          </a:bodyPr>
-          <a:lstStyle/>
-          <a:p>
-            <a:r>
-              <a:rPr lang="en-US" sz="1400" b="1" i="0" dirty="0">
-                <a:solidFill>
-                  <a:schemeClr val="bg1"/>
-                </a:solidFill>
-                <a:effectLst/>
-                <a:latin typeface="-apple-system"/>
-              </a:rPr>
-              <a:t>T101389-10002-Raw – Data Asset View</a:t>
-            </a:r>
-            <a:endParaRPr lang="en-US" sz="1400" dirty="0">
-              <a:solidFill>
-                <a:schemeClr val="bg1"/>
-              </a:solidFill>
-            </a:endParaRPr>
-          </a:p>
-        </p:txBody>
-      </p:sp>
-      <p:sp>
-        <p:nvSpPr>
-          <p:cNvPr id="9" name="Arrow: Right 8">
-            <a:extLst>
-              <a:ext uri="{FF2B5EF4-FFF2-40B4-BE49-F238E27FC236}">
-                <a16:creationId xmlns:a16="http://schemas.microsoft.com/office/drawing/2014/main" id="{AD55E3DE-B140-4E52-B6EA-D7C0007AEF88}"/>
-              </a:ext>
-            </a:extLst>
-          </p:cNvPr>
-          <p:cNvSpPr/>
-          <p:nvPr/>
-        </p:nvSpPr>
-        <p:spPr>
-          <a:xfrm rot="10800000">
-            <a:off x="2732264" y="3486150"/>
-            <a:ext cx="374073" cy="290946"/>
-          </a:xfrm>
-          <a:prstGeom prst="rightArrow">
-            <a:avLst/>
-          </a:prstGeom>
-          <a:solidFill>
-            <a:srgbClr val="FF0000"/>
-          </a:solidFill>
-          <a:ln>
-            <a:noFill/>
-          </a:ln>
-        </p:spPr>
-        <p:style>
-          <a:lnRef idx="2">
-            <a:schemeClr val="accent1">
-              <a:shade val="50000"/>
-            </a:schemeClr>
-          </a:lnRef>
-          <a:fillRef idx="1">
-            <a:schemeClr val="accent1"/>
-          </a:fillRef>
-          <a:effectRef idx="0">
-            <a:schemeClr val="accent1"/>
-          </a:effectRef>
-          <a:fontRef idx="minor">
-            <a:schemeClr val="lt1"/>
-          </a:fontRef>
-        </p:style>
-        <p:txBody>
-          <a:bodyPr rtlCol="0" anchor="ctr"/>
-          <a:lstStyle/>
-          <a:p>
-            <a:pPr algn="ctr"/>
-            <a:endParaRPr lang="en-US"/>
-          </a:p>
-        </p:txBody>
-      </p:sp>
-      <p:sp>
-        <p:nvSpPr>
-          <p:cNvPr id="10" name="Arrow: Right 9">
-            <a:extLst>
-              <a:ext uri="{FF2B5EF4-FFF2-40B4-BE49-F238E27FC236}">
-                <a16:creationId xmlns:a16="http://schemas.microsoft.com/office/drawing/2014/main" id="{B4E5378A-8F3D-47FA-A44F-8A83A9895BCC}"/>
-              </a:ext>
-            </a:extLst>
-          </p:cNvPr>
-          <p:cNvSpPr/>
-          <p:nvPr/>
-        </p:nvSpPr>
-        <p:spPr>
-          <a:xfrm>
-            <a:off x="7264111" y="3002105"/>
-            <a:ext cx="374073" cy="290946"/>
-          </a:xfrm>
-          <a:prstGeom prst="rightArrow">
-            <a:avLst/>
-          </a:prstGeom>
-          <a:solidFill>
-            <a:srgbClr val="FF0000"/>
-          </a:solidFill>
-          <a:ln>
-            <a:noFill/>
-          </a:ln>
-        </p:spPr>
-        <p:style>
-          <a:lnRef idx="2">
-            <a:schemeClr val="accent1">
-              <a:shade val="50000"/>
-            </a:schemeClr>
-          </a:lnRef>
-          <a:fillRef idx="1">
-            <a:schemeClr val="accent1"/>
-          </a:fillRef>
-          <a:effectRef idx="0">
-            <a:schemeClr val="accent1"/>
-          </a:effectRef>
-          <a:fontRef idx="minor">
-            <a:schemeClr val="lt1"/>
-          </a:fontRef>
-        </p:style>
-        <p:txBody>
-          <a:bodyPr rtlCol="0" anchor="ctr"/>
-          <a:lstStyle/>
-          <a:p>
-            <a:pPr algn="ctr"/>
-            <a:endParaRPr lang="en-US"/>
-          </a:p>
-        </p:txBody>
-      </p:sp>
     </p:spTree>
     <p:extLst>
       <p:ext uri="{BB962C8B-B14F-4D97-AF65-F5344CB8AC3E}">
-        <p14:creationId xmlns:p14="http://schemas.microsoft.com/office/powerpoint/2010/main" val="2795415592"/>
+        <p14:creationId xmlns:p14="http://schemas.microsoft.com/office/powerpoint/2010/main" val="3723155290"/>
       </p:ext>
     </p:extLst>
   </p:cSld>
